--- a/2023/2023-09-Sakai-Plus.pptx
+++ b/2023/2023-09-Sakai-Plus.pptx
@@ -5,7 +5,7 @@
     <p:sldMasterId id="2147483648" r:id="rId1"/>
   </p:sldMasterIdLst>
   <p:notesMasterIdLst>
-    <p:notesMasterId r:id="rId15"/>
+    <p:notesMasterId r:id="rId14"/>
   </p:notesMasterIdLst>
   <p:sldIdLst>
     <p:sldId id="257" r:id="rId2"/>
@@ -13,14 +13,13 @@
     <p:sldId id="307" r:id="rId4"/>
     <p:sldId id="308" r:id="rId5"/>
     <p:sldId id="309" r:id="rId6"/>
-    <p:sldId id="291" r:id="rId7"/>
-    <p:sldId id="310" r:id="rId8"/>
-    <p:sldId id="304" r:id="rId9"/>
-    <p:sldId id="311" r:id="rId10"/>
-    <p:sldId id="296" r:id="rId11"/>
-    <p:sldId id="312" r:id="rId12"/>
-    <p:sldId id="314" r:id="rId13"/>
-    <p:sldId id="316" r:id="rId14"/>
+    <p:sldId id="310" r:id="rId7"/>
+    <p:sldId id="304" r:id="rId8"/>
+    <p:sldId id="311" r:id="rId9"/>
+    <p:sldId id="296" r:id="rId10"/>
+    <p:sldId id="312" r:id="rId11"/>
+    <p:sldId id="314" r:id="rId12"/>
+    <p:sldId id="316" r:id="rId13"/>
   </p:sldIdLst>
   <p:sldSz cx="12192000" cy="6858000"/>
   <p:notesSz cx="6858000" cy="9144000"/>
@@ -209,7 +208,7 @@
           <a:p>
             <a:fld id="{F8062002-FE47-E44A-9934-27B168626197}" type="datetimeFigureOut">
               <a:rPr lang="en-US" smtClean="0"/>
-              <a:t>9/27/23</a:t>
+              <a:t>9/28/23</a:t>
             </a:fld>
             <a:endParaRPr lang="en-US"/>
           </a:p>
@@ -707,7 +706,7 @@
           <a:p>
             <a:fld id="{34CC170A-699D-BB45-AC18-C528FA229D18}" type="datetimeFigureOut">
               <a:rPr lang="en-US" smtClean="0"/>
-              <a:t>9/27/23</a:t>
+              <a:t>9/28/23</a:t>
             </a:fld>
             <a:endParaRPr lang="en-US"/>
           </a:p>
@@ -905,7 +904,7 @@
           <a:p>
             <a:fld id="{34CC170A-699D-BB45-AC18-C528FA229D18}" type="datetimeFigureOut">
               <a:rPr lang="en-US" smtClean="0"/>
-              <a:t>9/27/23</a:t>
+              <a:t>9/28/23</a:t>
             </a:fld>
             <a:endParaRPr lang="en-US"/>
           </a:p>
@@ -1180,7 +1179,7 @@
           <a:p>
             <a:fld id="{34CC170A-699D-BB45-AC18-C528FA229D18}" type="datetimeFigureOut">
               <a:rPr lang="en-US" smtClean="0"/>
-              <a:t>9/27/23</a:t>
+              <a:t>9/28/23</a:t>
             </a:fld>
             <a:endParaRPr lang="en-US"/>
           </a:p>
@@ -1321,7 +1320,7 @@
           <a:p>
             <a:fld id="{34CC170A-699D-BB45-AC18-C528FA229D18}" type="datetimeFigureOut">
               <a:rPr lang="en-US" smtClean="0"/>
-              <a:t>9/27/23</a:t>
+              <a:t>9/28/23</a:t>
             </a:fld>
             <a:endParaRPr lang="en-US"/>
           </a:p>
@@ -1434,7 +1433,7 @@
           <a:p>
             <a:fld id="{34CC170A-699D-BB45-AC18-C528FA229D18}" type="datetimeFigureOut">
               <a:rPr lang="en-US" smtClean="0"/>
-              <a:t>9/27/23</a:t>
+              <a:t>9/28/23</a:t>
             </a:fld>
             <a:endParaRPr lang="en-US"/>
           </a:p>
@@ -1675,7 +1674,7 @@
           <a:p>
             <a:fld id="{34CC170A-699D-BB45-AC18-C528FA229D18}" type="datetimeFigureOut">
               <a:rPr lang="en-US" smtClean="0"/>
-              <a:t>9/27/23</a:t>
+              <a:t>9/28/23</a:t>
             </a:fld>
             <a:endParaRPr lang="en-US"/>
           </a:p>
@@ -2662,164 +2661,6 @@
           <a:lstStyle/>
           <a:p>
             <a:r>
-              <a:rPr lang="en-US" dirty="0" err="1"/>
-              <a:t>SakaiPlus</a:t>
-            </a:r>
-            <a:r>
-              <a:rPr lang="en-US" dirty="0"/>
-              <a:t> – LMS Multiverse</a:t>
-            </a:r>
-          </a:p>
-        </p:txBody>
-      </p:sp>
-      <p:sp>
-        <p:nvSpPr>
-          <p:cNvPr id="3" name="Content Placeholder 2">
-            <a:extLst>
-              <a:ext uri="{FF2B5EF4-FFF2-40B4-BE49-F238E27FC236}">
-                <a16:creationId xmlns:a16="http://schemas.microsoft.com/office/drawing/2014/main" id="{E23C02F7-DF51-DA3E-717C-BBD854466676}"/>
-              </a:ext>
-            </a:extLst>
-          </p:cNvPr>
-          <p:cNvSpPr>
-            <a:spLocks noGrp="1"/>
-          </p:cNvSpPr>
-          <p:nvPr>
-            <p:ph idx="1"/>
-          </p:nvPr>
-        </p:nvSpPr>
-        <p:spPr>
-          <a:xfrm>
-            <a:off x="838200" y="1825625"/>
-            <a:ext cx="5970104" cy="4351338"/>
-          </a:xfrm>
-        </p:spPr>
-        <p:txBody>
-          <a:bodyPr/>
-          <a:lstStyle/>
-          <a:p>
-            <a:r>
-              <a:rPr lang="en-US" dirty="0"/>
-              <a:t>Part of Sakai 23</a:t>
-            </a:r>
-          </a:p>
-          <a:p>
-            <a:r>
-              <a:rPr lang="en-US" dirty="0"/>
-              <a:t>Sakai can plug into any LMS using LTI Advantage (1.3)</a:t>
-            </a:r>
-          </a:p>
-          <a:p>
-            <a:r>
-              <a:rPr lang="en-US" dirty="0"/>
-              <a:t>Retrieves and synchronizes roster data</a:t>
-            </a:r>
-          </a:p>
-          <a:p>
-            <a:r>
-              <a:rPr lang="en-US" dirty="0"/>
-              <a:t>Synchronizes all grade book activity</a:t>
-            </a:r>
-          </a:p>
-          <a:p>
-            <a:endParaRPr lang="en-US" dirty="0"/>
-          </a:p>
-          <a:p>
-            <a:r>
-              <a:rPr lang="en-US" dirty="0"/>
-              <a:t>Launch / grades / notifications from campus LMS</a:t>
-            </a:r>
-          </a:p>
-          <a:p>
-            <a:r>
-              <a:rPr lang="en-US" dirty="0"/>
-              <a:t>Author and teach course in Sakai</a:t>
-            </a:r>
-          </a:p>
-        </p:txBody>
-      </p:sp>
-      <p:pic>
-        <p:nvPicPr>
-          <p:cNvPr id="5" name="Picture 4" descr="A picture containing text, book, different&#10;&#10;Description automatically generated">
-            <a:extLst>
-              <a:ext uri="{FF2B5EF4-FFF2-40B4-BE49-F238E27FC236}">
-                <a16:creationId xmlns:a16="http://schemas.microsoft.com/office/drawing/2014/main" id="{756570BA-B1A8-35B2-0E4E-D49A62919F14}"/>
-              </a:ext>
-            </a:extLst>
-          </p:cNvPr>
-          <p:cNvPicPr>
-            <a:picLocks noChangeAspect="1"/>
-          </p:cNvPicPr>
-          <p:nvPr/>
-        </p:nvPicPr>
-        <p:blipFill>
-          <a:blip r:embed="rId2"/>
-          <a:stretch>
-            <a:fillRect/>
-          </a:stretch>
-        </p:blipFill>
-        <p:spPr>
-          <a:xfrm>
-            <a:off x="7580464" y="1352676"/>
-            <a:ext cx="4089279" cy="3938651"/>
-          </a:xfrm>
-          <a:prstGeom prst="rect">
-            <a:avLst/>
-          </a:prstGeom>
-        </p:spPr>
-      </p:pic>
-    </p:spTree>
-    <p:extLst>
-      <p:ext uri="{BB962C8B-B14F-4D97-AF65-F5344CB8AC3E}">
-        <p14:creationId xmlns:p14="http://schemas.microsoft.com/office/powerpoint/2010/main" val="4147273472"/>
-      </p:ext>
-    </p:extLst>
-  </p:cSld>
-  <p:clrMapOvr>
-    <a:masterClrMapping/>
-  </p:clrMapOvr>
-</p:sld>
-</file>
-
-<file path=ppt/slides/slide11.xml><?xml version="1.0" encoding="utf-8"?>
-<p:sld xmlns:a="http://schemas.openxmlformats.org/drawingml/2006/main" xmlns:r="http://schemas.openxmlformats.org/officeDocument/2006/relationships" xmlns:p="http://schemas.openxmlformats.org/presentationml/2006/main">
-  <p:cSld>
-    <p:spTree>
-      <p:nvGrpSpPr>
-        <p:cNvPr id="1" name=""/>
-        <p:cNvGrpSpPr/>
-        <p:nvPr/>
-      </p:nvGrpSpPr>
-      <p:grpSpPr>
-        <a:xfrm>
-          <a:off x="0" y="0"/>
-          <a:ext cx="0" cy="0"/>
-          <a:chOff x="0" y="0"/>
-          <a:chExt cx="0" cy="0"/>
-        </a:xfrm>
-      </p:grpSpPr>
-      <p:sp>
-        <p:nvSpPr>
-          <p:cNvPr id="2" name="Title 1">
-            <a:extLst>
-              <a:ext uri="{FF2B5EF4-FFF2-40B4-BE49-F238E27FC236}">
-                <a16:creationId xmlns:a16="http://schemas.microsoft.com/office/drawing/2014/main" id="{B24A89E1-5A89-6B0A-7B6A-BDC8E9AE8651}"/>
-              </a:ext>
-            </a:extLst>
-          </p:cNvPr>
-          <p:cNvSpPr>
-            <a:spLocks noGrp="1"/>
-          </p:cNvSpPr>
-          <p:nvPr>
-            <p:ph type="title"/>
-          </p:nvPr>
-        </p:nvSpPr>
-        <p:spPr/>
-        <p:txBody>
-          <a:bodyPr/>
-          <a:lstStyle/>
-          <a:p>
-            <a:r>
               <a:rPr lang="en-US" dirty="0"/>
               <a:t>Some things are simpler</a:t>
             </a:r>
@@ -2940,7 +2781,7 @@
 </p:sld>
 </file>
 
-<file path=ppt/slides/slide12.xml><?xml version="1.0" encoding="utf-8"?>
+<file path=ppt/slides/slide11.xml><?xml version="1.0" encoding="utf-8"?>
 <p:sld xmlns:a="http://schemas.openxmlformats.org/drawingml/2006/main" xmlns:r="http://schemas.openxmlformats.org/officeDocument/2006/relationships" xmlns:p="http://schemas.openxmlformats.org/presentationml/2006/main">
   <p:cSld>
     <p:spTree>
@@ -3021,7 +2862,7 @@
           <a:p>
             <a:r>
               <a:rPr lang="en-US" dirty="0"/>
-              <a:t>They have an active and engaged community </a:t>
+              <a:t>They can be part of an active and engaged community </a:t>
             </a:r>
           </a:p>
           <a:p>
@@ -3096,7 +2937,7 @@
 </p:sld>
 </file>
 
-<file path=ppt/slides/slide13.xml><?xml version="1.0" encoding="utf-8"?>
+<file path=ppt/slides/slide12.xml><?xml version="1.0" encoding="utf-8"?>
 <p:sld xmlns:a="http://schemas.openxmlformats.org/drawingml/2006/main" xmlns:r="http://schemas.openxmlformats.org/officeDocument/2006/relationships" xmlns:p="http://schemas.openxmlformats.org/presentationml/2006/main">
   <p:cSld>
     <p:bg>
@@ -4010,14 +3851,19 @@
           <a:p>
             <a:r>
               <a:rPr lang="en-US" dirty="0"/>
-              <a:t>LMS Innovation is Slowing</a:t>
-            </a:r>
-          </a:p>
-          <a:p>
-            <a:r>
-              <a:rPr lang="en-US" dirty="0"/>
-              <a:t>LMS Satisfaction is "meh"</a:t>
-            </a:r>
+              <a:t>LMS Innovation is slowing</a:t>
+            </a:r>
+          </a:p>
+          <a:p>
+            <a:r>
+              <a:rPr lang="en-US" dirty="0"/>
+              <a:t>LMS Satisfaction is "meh" – no system makes </a:t>
+            </a:r>
+            <a:r>
+              <a:rPr lang="en-US"/>
+              <a:t>everyone happy</a:t>
+            </a:r>
+            <a:endParaRPr lang="en-US" dirty="0"/>
           </a:p>
           <a:p>
             <a:r>
@@ -4202,66 +4048,6 @@
           <a:chExt cx="0" cy="0"/>
         </a:xfrm>
       </p:grpSpPr>
-      <p:pic>
-        <p:nvPicPr>
-          <p:cNvPr id="3" name="Picture 2" descr="A screenshot of a computer&#10;&#10;Description automatically generated">
-            <a:extLst>
-              <a:ext uri="{FF2B5EF4-FFF2-40B4-BE49-F238E27FC236}">
-                <a16:creationId xmlns:a16="http://schemas.microsoft.com/office/drawing/2014/main" id="{1DC27073-591A-4AB5-BE37-783695FC6A01}"/>
-              </a:ext>
-            </a:extLst>
-          </p:cNvPr>
-          <p:cNvPicPr>
-            <a:picLocks noChangeAspect="1"/>
-          </p:cNvPicPr>
-          <p:nvPr/>
-        </p:nvPicPr>
-        <p:blipFill>
-          <a:blip r:embed="rId2"/>
-          <a:stretch>
-            <a:fillRect/>
-          </a:stretch>
-        </p:blipFill>
-        <p:spPr>
-          <a:xfrm>
-            <a:off x="421865" y="476917"/>
-            <a:ext cx="11348269" cy="5904166"/>
-          </a:xfrm>
-          <a:prstGeom prst="rect">
-            <a:avLst/>
-          </a:prstGeom>
-        </p:spPr>
-      </p:pic>
-    </p:spTree>
-    <p:extLst>
-      <p:ext uri="{BB962C8B-B14F-4D97-AF65-F5344CB8AC3E}">
-        <p14:creationId xmlns:p14="http://schemas.microsoft.com/office/powerpoint/2010/main" val="4165807358"/>
-      </p:ext>
-    </p:extLst>
-  </p:cSld>
-  <p:clrMapOvr>
-    <a:masterClrMapping/>
-  </p:clrMapOvr>
-</p:sld>
-</file>
-
-<file path=ppt/slides/slide7.xml><?xml version="1.0" encoding="utf-8"?>
-<p:sld xmlns:a="http://schemas.openxmlformats.org/drawingml/2006/main" xmlns:r="http://schemas.openxmlformats.org/officeDocument/2006/relationships" xmlns:p="http://schemas.openxmlformats.org/presentationml/2006/main">
-  <p:cSld>
-    <p:spTree>
-      <p:nvGrpSpPr>
-        <p:cNvPr id="1" name=""/>
-        <p:cNvGrpSpPr/>
-        <p:nvPr/>
-      </p:nvGrpSpPr>
-      <p:grpSpPr>
-        <a:xfrm>
-          <a:off x="0" y="0"/>
-          <a:ext cx="0" cy="0"/>
-          <a:chOff x="0" y="0"/>
-          <a:chExt cx="0" cy="0"/>
-        </a:xfrm>
-      </p:grpSpPr>
       <p:sp>
         <p:nvSpPr>
           <p:cNvPr id="2" name="Title 1">
@@ -4830,7 +4616,7 @@
 </p:sld>
 </file>
 
-<file path=ppt/slides/slide8.xml><?xml version="1.0" encoding="utf-8"?>
+<file path=ppt/slides/slide7.xml><?xml version="1.0" encoding="utf-8"?>
 <p:sld xmlns:a="http://schemas.openxmlformats.org/drawingml/2006/main" xmlns:r="http://schemas.openxmlformats.org/officeDocument/2006/relationships" xmlns:p="http://schemas.openxmlformats.org/presentationml/2006/main">
   <p:cSld>
     <p:spTree>
@@ -5408,7 +5194,7 @@
 </p:sld>
 </file>
 
-<file path=ppt/slides/slide9.xml><?xml version="1.0" encoding="utf-8"?>
+<file path=ppt/slides/slide8.xml><?xml version="1.0" encoding="utf-8"?>
 <p:sld xmlns:a="http://schemas.openxmlformats.org/drawingml/2006/main" xmlns:r="http://schemas.openxmlformats.org/officeDocument/2006/relationships" xmlns:p="http://schemas.openxmlformats.org/presentationml/2006/main">
   <p:cSld>
     <p:spTree>
@@ -5958,6 +5744,164 @@
     <p:extLst>
       <p:ext uri="{BB962C8B-B14F-4D97-AF65-F5344CB8AC3E}">
         <p14:creationId xmlns:p14="http://schemas.microsoft.com/office/powerpoint/2010/main" val="806944480"/>
+      </p:ext>
+    </p:extLst>
+  </p:cSld>
+  <p:clrMapOvr>
+    <a:masterClrMapping/>
+  </p:clrMapOvr>
+</p:sld>
+</file>
+
+<file path=ppt/slides/slide9.xml><?xml version="1.0" encoding="utf-8"?>
+<p:sld xmlns:a="http://schemas.openxmlformats.org/drawingml/2006/main" xmlns:r="http://schemas.openxmlformats.org/officeDocument/2006/relationships" xmlns:p="http://schemas.openxmlformats.org/presentationml/2006/main">
+  <p:cSld>
+    <p:spTree>
+      <p:nvGrpSpPr>
+        <p:cNvPr id="1" name=""/>
+        <p:cNvGrpSpPr/>
+        <p:nvPr/>
+      </p:nvGrpSpPr>
+      <p:grpSpPr>
+        <a:xfrm>
+          <a:off x="0" y="0"/>
+          <a:ext cx="0" cy="0"/>
+          <a:chOff x="0" y="0"/>
+          <a:chExt cx="0" cy="0"/>
+        </a:xfrm>
+      </p:grpSpPr>
+      <p:sp>
+        <p:nvSpPr>
+          <p:cNvPr id="2" name="Title 1">
+            <a:extLst>
+              <a:ext uri="{FF2B5EF4-FFF2-40B4-BE49-F238E27FC236}">
+                <a16:creationId xmlns:a16="http://schemas.microsoft.com/office/drawing/2014/main" id="{B24A89E1-5A89-6B0A-7B6A-BDC8E9AE8651}"/>
+              </a:ext>
+            </a:extLst>
+          </p:cNvPr>
+          <p:cNvSpPr>
+            <a:spLocks noGrp="1"/>
+          </p:cNvSpPr>
+          <p:nvPr>
+            <p:ph type="title"/>
+          </p:nvPr>
+        </p:nvSpPr>
+        <p:spPr/>
+        <p:txBody>
+          <a:bodyPr/>
+          <a:lstStyle/>
+          <a:p>
+            <a:r>
+              <a:rPr lang="en-US" dirty="0" err="1"/>
+              <a:t>SakaiPlus</a:t>
+            </a:r>
+            <a:r>
+              <a:rPr lang="en-US" dirty="0"/>
+              <a:t> – LMS Multiverse</a:t>
+            </a:r>
+          </a:p>
+        </p:txBody>
+      </p:sp>
+      <p:sp>
+        <p:nvSpPr>
+          <p:cNvPr id="3" name="Content Placeholder 2">
+            <a:extLst>
+              <a:ext uri="{FF2B5EF4-FFF2-40B4-BE49-F238E27FC236}">
+                <a16:creationId xmlns:a16="http://schemas.microsoft.com/office/drawing/2014/main" id="{E23C02F7-DF51-DA3E-717C-BBD854466676}"/>
+              </a:ext>
+            </a:extLst>
+          </p:cNvPr>
+          <p:cNvSpPr>
+            <a:spLocks noGrp="1"/>
+          </p:cNvSpPr>
+          <p:nvPr>
+            <p:ph idx="1"/>
+          </p:nvPr>
+        </p:nvSpPr>
+        <p:spPr>
+          <a:xfrm>
+            <a:off x="838200" y="1825625"/>
+            <a:ext cx="5970104" cy="4351338"/>
+          </a:xfrm>
+        </p:spPr>
+        <p:txBody>
+          <a:bodyPr/>
+          <a:lstStyle/>
+          <a:p>
+            <a:r>
+              <a:rPr lang="en-US" dirty="0"/>
+              <a:t>Part of Sakai 23</a:t>
+            </a:r>
+          </a:p>
+          <a:p>
+            <a:r>
+              <a:rPr lang="en-US" dirty="0"/>
+              <a:t>Sakai can plug into any LMS using LTI Advantage (1.3)</a:t>
+            </a:r>
+          </a:p>
+          <a:p>
+            <a:r>
+              <a:rPr lang="en-US" dirty="0"/>
+              <a:t>Retrieves and synchronizes roster data</a:t>
+            </a:r>
+          </a:p>
+          <a:p>
+            <a:r>
+              <a:rPr lang="en-US" dirty="0"/>
+              <a:t>Synchronizes all grade book activity</a:t>
+            </a:r>
+          </a:p>
+          <a:p>
+            <a:endParaRPr lang="en-US" dirty="0"/>
+          </a:p>
+          <a:p>
+            <a:r>
+              <a:rPr lang="en-US" dirty="0"/>
+              <a:t>Launch / grades / notifications from campus LMS</a:t>
+            </a:r>
+          </a:p>
+          <a:p>
+            <a:r>
+              <a:rPr lang="en-US" dirty="0"/>
+              <a:t>Author and teach course in Sakai</a:t>
+            </a:r>
+          </a:p>
+        </p:txBody>
+      </p:sp>
+      <p:pic>
+        <p:nvPicPr>
+          <p:cNvPr id="5" name="Picture 4" descr="A picture containing text, book, different&#10;&#10;Description automatically generated">
+            <a:extLst>
+              <a:ext uri="{FF2B5EF4-FFF2-40B4-BE49-F238E27FC236}">
+                <a16:creationId xmlns:a16="http://schemas.microsoft.com/office/drawing/2014/main" id="{756570BA-B1A8-35B2-0E4E-D49A62919F14}"/>
+              </a:ext>
+            </a:extLst>
+          </p:cNvPr>
+          <p:cNvPicPr>
+            <a:picLocks noChangeAspect="1"/>
+          </p:cNvPicPr>
+          <p:nvPr/>
+        </p:nvPicPr>
+        <p:blipFill>
+          <a:blip r:embed="rId2"/>
+          <a:stretch>
+            <a:fillRect/>
+          </a:stretch>
+        </p:blipFill>
+        <p:spPr>
+          <a:xfrm>
+            <a:off x="7580464" y="1352676"/>
+            <a:ext cx="4089279" cy="3938651"/>
+          </a:xfrm>
+          <a:prstGeom prst="rect">
+            <a:avLst/>
+          </a:prstGeom>
+        </p:spPr>
+      </p:pic>
+    </p:spTree>
+    <p:extLst>
+      <p:ext uri="{BB962C8B-B14F-4D97-AF65-F5344CB8AC3E}">
+        <p14:creationId xmlns:p14="http://schemas.microsoft.com/office/powerpoint/2010/main" val="4147273472"/>
       </p:ext>
     </p:extLst>
   </p:cSld>

--- a/2023/2023-09-Sakai-Plus.pptx
+++ b/2023/2023-09-Sakai-Plus.pptx
@@ -5,7 +5,7 @@
     <p:sldMasterId id="2147483648" r:id="rId1"/>
   </p:sldMasterIdLst>
   <p:notesMasterIdLst>
-    <p:notesMasterId r:id="rId14"/>
+    <p:notesMasterId r:id="rId17"/>
   </p:notesMasterIdLst>
   <p:sldIdLst>
     <p:sldId id="257" r:id="rId2"/>
@@ -20,6 +20,9 @@
     <p:sldId id="312" r:id="rId11"/>
     <p:sldId id="314" r:id="rId12"/>
     <p:sldId id="316" r:id="rId13"/>
+    <p:sldId id="317" r:id="rId14"/>
+    <p:sldId id="318" r:id="rId15"/>
+    <p:sldId id="319" r:id="rId16"/>
   </p:sldIdLst>
   <p:sldSz cx="12192000" cy="6858000"/>
   <p:notesSz cx="6858000" cy="9144000"/>
@@ -208,7 +211,7 @@
           <a:p>
             <a:fld id="{F8062002-FE47-E44A-9934-27B168626197}" type="datetimeFigureOut">
               <a:rPr lang="en-US" smtClean="0"/>
-              <a:t>9/28/23</a:t>
+              <a:t>9/29/23</a:t>
             </a:fld>
             <a:endParaRPr lang="en-US"/>
           </a:p>
@@ -706,7 +709,7 @@
           <a:p>
             <a:fld id="{34CC170A-699D-BB45-AC18-C528FA229D18}" type="datetimeFigureOut">
               <a:rPr lang="en-US" smtClean="0"/>
-              <a:t>9/28/23</a:t>
+              <a:t>9/29/23</a:t>
             </a:fld>
             <a:endParaRPr lang="en-US"/>
           </a:p>
@@ -904,7 +907,7 @@
           <a:p>
             <a:fld id="{34CC170A-699D-BB45-AC18-C528FA229D18}" type="datetimeFigureOut">
               <a:rPr lang="en-US" smtClean="0"/>
-              <a:t>9/28/23</a:t>
+              <a:t>9/29/23</a:t>
             </a:fld>
             <a:endParaRPr lang="en-US"/>
           </a:p>
@@ -1179,7 +1182,7 @@
           <a:p>
             <a:fld id="{34CC170A-699D-BB45-AC18-C528FA229D18}" type="datetimeFigureOut">
               <a:rPr lang="en-US" smtClean="0"/>
-              <a:t>9/28/23</a:t>
+              <a:t>9/29/23</a:t>
             </a:fld>
             <a:endParaRPr lang="en-US"/>
           </a:p>
@@ -1320,7 +1323,7 @@
           <a:p>
             <a:fld id="{34CC170A-699D-BB45-AC18-C528FA229D18}" type="datetimeFigureOut">
               <a:rPr lang="en-US" smtClean="0"/>
-              <a:t>9/28/23</a:t>
+              <a:t>9/29/23</a:t>
             </a:fld>
             <a:endParaRPr lang="en-US"/>
           </a:p>
@@ -1433,7 +1436,7 @@
           <a:p>
             <a:fld id="{34CC170A-699D-BB45-AC18-C528FA229D18}" type="datetimeFigureOut">
               <a:rPr lang="en-US" smtClean="0"/>
-              <a:t>9/28/23</a:t>
+              <a:t>9/29/23</a:t>
             </a:fld>
             <a:endParaRPr lang="en-US"/>
           </a:p>
@@ -1674,7 +1677,7 @@
           <a:p>
             <a:fld id="{34CC170A-699D-BB45-AC18-C528FA229D18}" type="datetimeFigureOut">
               <a:rPr lang="en-US" smtClean="0"/>
-              <a:t>9/28/23</a:t>
+              <a:t>9/29/23</a:t>
             </a:fld>
             <a:endParaRPr lang="en-US"/>
           </a:p>
@@ -3475,6 +3478,1680 @@
     <p:extLst>
       <p:ext uri="{BB962C8B-B14F-4D97-AF65-F5344CB8AC3E}">
         <p14:creationId xmlns:p14="http://schemas.microsoft.com/office/powerpoint/2010/main" val="2294014822"/>
+      </p:ext>
+    </p:extLst>
+  </p:cSld>
+  <p:clrMapOvr>
+    <a:masterClrMapping/>
+  </p:clrMapOvr>
+</p:sld>
+</file>
+
+<file path=ppt/slides/slide13.xml><?xml version="1.0" encoding="utf-8"?>
+<p:sld xmlns:a="http://schemas.openxmlformats.org/drawingml/2006/main" xmlns:r="http://schemas.openxmlformats.org/officeDocument/2006/relationships" xmlns:p="http://schemas.openxmlformats.org/presentationml/2006/main">
+  <p:cSld>
+    <p:bg>
+      <p:bgPr>
+        <a:solidFill>
+          <a:schemeClr val="bg1"/>
+        </a:solidFill>
+        <a:effectLst/>
+      </p:bgPr>
+    </p:bg>
+    <p:spTree>
+      <p:nvGrpSpPr>
+        <p:cNvPr id="1" name=""/>
+        <p:cNvGrpSpPr/>
+        <p:nvPr/>
+      </p:nvGrpSpPr>
+      <p:grpSpPr>
+        <a:xfrm>
+          <a:off x="0" y="0"/>
+          <a:ext cx="0" cy="0"/>
+          <a:chOff x="0" y="0"/>
+          <a:chExt cx="0" cy="0"/>
+        </a:xfrm>
+      </p:grpSpPr>
+      <p:sp useBgFill="1">
+        <p:nvSpPr>
+          <p:cNvPr id="10" name="Rectangle 9">
+            <a:extLst>
+              <a:ext uri="{FF2B5EF4-FFF2-40B4-BE49-F238E27FC236}">
+                <a16:creationId xmlns:a16="http://schemas.microsoft.com/office/drawing/2014/main" id="{A6D37EE4-EA1B-46EE-A54B-5233C63C9695}"/>
+              </a:ext>
+              <a:ext uri="{C183D7F6-B498-43B3-948B-1728B52AA6E4}">
+                <adec:decorative xmlns:adec="http://schemas.microsoft.com/office/drawing/2017/decorative" val="1"/>
+              </a:ext>
+            </a:extLst>
+          </p:cNvPr>
+          <p:cNvSpPr>
+            <a:spLocks noGrp="1" noRot="1" noChangeAspect="1" noMove="1" noResize="1" noEditPoints="1" noAdjustHandles="1" noChangeArrowheads="1" noChangeShapeType="1" noTextEdit="1"/>
+          </p:cNvSpPr>
+          <p:nvPr>
+            <p:extLst>
+              <p:ext uri="{386F3935-93C4-4BCD-93E2-E3B085C9AB24}">
+                <p16:designElem xmlns:p16="http://schemas.microsoft.com/office/powerpoint/2015/main" val="1"/>
+              </p:ext>
+            </p:extLst>
+          </p:nvPr>
+        </p:nvSpPr>
+        <p:spPr>
+          <a:xfrm>
+            <a:off x="0" y="0"/>
+            <a:ext cx="12188952" cy="6858000"/>
+          </a:xfrm>
+          <a:prstGeom prst="rect">
+            <a:avLst/>
+          </a:prstGeom>
+          <a:ln>
+            <a:noFill/>
+          </a:ln>
+        </p:spPr>
+        <p:style>
+          <a:lnRef idx="2">
+            <a:schemeClr val="accent1">
+              <a:shade val="50000"/>
+            </a:schemeClr>
+          </a:lnRef>
+          <a:fillRef idx="1">
+            <a:schemeClr val="accent1"/>
+          </a:fillRef>
+          <a:effectRef idx="0">
+            <a:schemeClr val="accent1"/>
+          </a:effectRef>
+          <a:fontRef idx="minor">
+            <a:schemeClr val="lt1"/>
+          </a:fontRef>
+        </p:style>
+        <p:txBody>
+          <a:bodyPr rtlCol="0" anchor="ctr"/>
+          <a:lstStyle/>
+          <a:p>
+            <a:pPr algn="ctr"/>
+            <a:endParaRPr lang="en-US"/>
+          </a:p>
+        </p:txBody>
+      </p:sp>
+      <p:sp>
+        <p:nvSpPr>
+          <p:cNvPr id="2" name="Title 1">
+            <a:extLst>
+              <a:ext uri="{FF2B5EF4-FFF2-40B4-BE49-F238E27FC236}">
+                <a16:creationId xmlns:a16="http://schemas.microsoft.com/office/drawing/2014/main" id="{C119656D-76F2-8F06-7731-47508F7AA071}"/>
+              </a:ext>
+            </a:extLst>
+          </p:cNvPr>
+          <p:cNvSpPr>
+            <a:spLocks noGrp="1"/>
+          </p:cNvSpPr>
+          <p:nvPr>
+            <p:ph type="title"/>
+          </p:nvPr>
+        </p:nvSpPr>
+        <p:spPr>
+          <a:xfrm>
+            <a:off x="572493" y="238539"/>
+            <a:ext cx="11047013" cy="1434415"/>
+          </a:xfrm>
+        </p:spPr>
+        <p:txBody>
+          <a:bodyPr anchor="b">
+            <a:normAutofit/>
+          </a:bodyPr>
+          <a:lstStyle/>
+          <a:p>
+            <a:r>
+              <a:rPr lang="en-US" sz="5400"/>
+              <a:t>Questions and Next Steps</a:t>
+            </a:r>
+          </a:p>
+        </p:txBody>
+      </p:sp>
+      <p:sp>
+        <p:nvSpPr>
+          <p:cNvPr id="12" name="sketch line">
+            <a:extLst>
+              <a:ext uri="{FF2B5EF4-FFF2-40B4-BE49-F238E27FC236}">
+                <a16:creationId xmlns:a16="http://schemas.microsoft.com/office/drawing/2014/main" id="{927D5270-6648-4CC1-8F78-48BE299CAC25}"/>
+              </a:ext>
+              <a:ext uri="{C183D7F6-B498-43B3-948B-1728B52AA6E4}">
+                <adec:decorative xmlns:adec="http://schemas.microsoft.com/office/drawing/2017/decorative" val="1"/>
+              </a:ext>
+            </a:extLst>
+          </p:cNvPr>
+          <p:cNvSpPr>
+            <a:spLocks noGrp="1" noRot="1" noChangeAspect="1" noMove="1" noResize="1" noEditPoints="1" noAdjustHandles="1" noChangeArrowheads="1" noChangeShapeType="1" noTextEdit="1"/>
+          </p:cNvSpPr>
+          <p:nvPr>
+            <p:extLst>
+              <p:ext uri="{386F3935-93C4-4BCD-93E2-E3B085C9AB24}">
+                <p16:designElem xmlns:p16="http://schemas.microsoft.com/office/powerpoint/2015/main" val="1"/>
+              </p:ext>
+            </p:extLst>
+          </p:nvPr>
+        </p:nvSpPr>
+        <p:spPr>
+          <a:xfrm>
+            <a:off x="572493" y="1767709"/>
+            <a:ext cx="10972800" cy="18288"/>
+          </a:xfrm>
+          <a:custGeom>
+            <a:avLst/>
+            <a:gdLst>
+              <a:gd name="connsiteX0" fmla="*/ 0 w 10972800"/>
+              <a:gd name="connsiteY0" fmla="*/ 0 h 18288"/>
+              <a:gd name="connsiteX1" fmla="*/ 356616 w 10972800"/>
+              <a:gd name="connsiteY1" fmla="*/ 0 h 18288"/>
+              <a:gd name="connsiteX2" fmla="*/ 1042416 w 10972800"/>
+              <a:gd name="connsiteY2" fmla="*/ 0 h 18288"/>
+              <a:gd name="connsiteX3" fmla="*/ 1947672 w 10972800"/>
+              <a:gd name="connsiteY3" fmla="*/ 0 h 18288"/>
+              <a:gd name="connsiteX4" fmla="*/ 2633472 w 10972800"/>
+              <a:gd name="connsiteY4" fmla="*/ 0 h 18288"/>
+              <a:gd name="connsiteX5" fmla="*/ 2990088 w 10972800"/>
+              <a:gd name="connsiteY5" fmla="*/ 0 h 18288"/>
+              <a:gd name="connsiteX6" fmla="*/ 3456432 w 10972800"/>
+              <a:gd name="connsiteY6" fmla="*/ 0 h 18288"/>
+              <a:gd name="connsiteX7" fmla="*/ 4361688 w 10972800"/>
+              <a:gd name="connsiteY7" fmla="*/ 0 h 18288"/>
+              <a:gd name="connsiteX8" fmla="*/ 5266944 w 10972800"/>
+              <a:gd name="connsiteY8" fmla="*/ 0 h 18288"/>
+              <a:gd name="connsiteX9" fmla="*/ 6172200 w 10972800"/>
+              <a:gd name="connsiteY9" fmla="*/ 0 h 18288"/>
+              <a:gd name="connsiteX10" fmla="*/ 6528816 w 10972800"/>
+              <a:gd name="connsiteY10" fmla="*/ 0 h 18288"/>
+              <a:gd name="connsiteX11" fmla="*/ 7214616 w 10972800"/>
+              <a:gd name="connsiteY11" fmla="*/ 0 h 18288"/>
+              <a:gd name="connsiteX12" fmla="*/ 7790688 w 10972800"/>
+              <a:gd name="connsiteY12" fmla="*/ 0 h 18288"/>
+              <a:gd name="connsiteX13" fmla="*/ 8147304 w 10972800"/>
+              <a:gd name="connsiteY13" fmla="*/ 0 h 18288"/>
+              <a:gd name="connsiteX14" fmla="*/ 9052560 w 10972800"/>
+              <a:gd name="connsiteY14" fmla="*/ 0 h 18288"/>
+              <a:gd name="connsiteX15" fmla="*/ 9409176 w 10972800"/>
+              <a:gd name="connsiteY15" fmla="*/ 0 h 18288"/>
+              <a:gd name="connsiteX16" fmla="*/ 9765792 w 10972800"/>
+              <a:gd name="connsiteY16" fmla="*/ 0 h 18288"/>
+              <a:gd name="connsiteX17" fmla="*/ 10341864 w 10972800"/>
+              <a:gd name="connsiteY17" fmla="*/ 0 h 18288"/>
+              <a:gd name="connsiteX18" fmla="*/ 10972800 w 10972800"/>
+              <a:gd name="connsiteY18" fmla="*/ 0 h 18288"/>
+              <a:gd name="connsiteX19" fmla="*/ 10972800 w 10972800"/>
+              <a:gd name="connsiteY19" fmla="*/ 18288 h 18288"/>
+              <a:gd name="connsiteX20" fmla="*/ 10177272 w 10972800"/>
+              <a:gd name="connsiteY20" fmla="*/ 18288 h 18288"/>
+              <a:gd name="connsiteX21" fmla="*/ 9820656 w 10972800"/>
+              <a:gd name="connsiteY21" fmla="*/ 18288 h 18288"/>
+              <a:gd name="connsiteX22" fmla="*/ 9464040 w 10972800"/>
+              <a:gd name="connsiteY22" fmla="*/ 18288 h 18288"/>
+              <a:gd name="connsiteX23" fmla="*/ 8778240 w 10972800"/>
+              <a:gd name="connsiteY23" fmla="*/ 18288 h 18288"/>
+              <a:gd name="connsiteX24" fmla="*/ 8421624 w 10972800"/>
+              <a:gd name="connsiteY24" fmla="*/ 18288 h 18288"/>
+              <a:gd name="connsiteX25" fmla="*/ 7735824 w 10972800"/>
+              <a:gd name="connsiteY25" fmla="*/ 18288 h 18288"/>
+              <a:gd name="connsiteX26" fmla="*/ 6940296 w 10972800"/>
+              <a:gd name="connsiteY26" fmla="*/ 18288 h 18288"/>
+              <a:gd name="connsiteX27" fmla="*/ 6254496 w 10972800"/>
+              <a:gd name="connsiteY27" fmla="*/ 18288 h 18288"/>
+              <a:gd name="connsiteX28" fmla="*/ 5458968 w 10972800"/>
+              <a:gd name="connsiteY28" fmla="*/ 18288 h 18288"/>
+              <a:gd name="connsiteX29" fmla="*/ 4663440 w 10972800"/>
+              <a:gd name="connsiteY29" fmla="*/ 18288 h 18288"/>
+              <a:gd name="connsiteX30" fmla="*/ 4306824 w 10972800"/>
+              <a:gd name="connsiteY30" fmla="*/ 18288 h 18288"/>
+              <a:gd name="connsiteX31" fmla="*/ 3840480 w 10972800"/>
+              <a:gd name="connsiteY31" fmla="*/ 18288 h 18288"/>
+              <a:gd name="connsiteX32" fmla="*/ 3264408 w 10972800"/>
+              <a:gd name="connsiteY32" fmla="*/ 18288 h 18288"/>
+              <a:gd name="connsiteX33" fmla="*/ 2578608 w 10972800"/>
+              <a:gd name="connsiteY33" fmla="*/ 18288 h 18288"/>
+              <a:gd name="connsiteX34" fmla="*/ 1673352 w 10972800"/>
+              <a:gd name="connsiteY34" fmla="*/ 18288 h 18288"/>
+              <a:gd name="connsiteX35" fmla="*/ 877824 w 10972800"/>
+              <a:gd name="connsiteY35" fmla="*/ 18288 h 18288"/>
+              <a:gd name="connsiteX36" fmla="*/ 0 w 10972800"/>
+              <a:gd name="connsiteY36" fmla="*/ 18288 h 18288"/>
+              <a:gd name="connsiteX37" fmla="*/ 0 w 10972800"/>
+              <a:gd name="connsiteY37" fmla="*/ 0 h 18288"/>
+            </a:gdLst>
+            <a:ahLst/>
+            <a:cxnLst>
+              <a:cxn ang="0">
+                <a:pos x="connsiteX0" y="connsiteY0"/>
+              </a:cxn>
+              <a:cxn ang="0">
+                <a:pos x="connsiteX1" y="connsiteY1"/>
+              </a:cxn>
+              <a:cxn ang="0">
+                <a:pos x="connsiteX2" y="connsiteY2"/>
+              </a:cxn>
+              <a:cxn ang="0">
+                <a:pos x="connsiteX3" y="connsiteY3"/>
+              </a:cxn>
+              <a:cxn ang="0">
+                <a:pos x="connsiteX4" y="connsiteY4"/>
+              </a:cxn>
+              <a:cxn ang="0">
+                <a:pos x="connsiteX5" y="connsiteY5"/>
+              </a:cxn>
+              <a:cxn ang="0">
+                <a:pos x="connsiteX6" y="connsiteY6"/>
+              </a:cxn>
+              <a:cxn ang="0">
+                <a:pos x="connsiteX7" y="connsiteY7"/>
+              </a:cxn>
+              <a:cxn ang="0">
+                <a:pos x="connsiteX8" y="connsiteY8"/>
+              </a:cxn>
+              <a:cxn ang="0">
+                <a:pos x="connsiteX9" y="connsiteY9"/>
+              </a:cxn>
+              <a:cxn ang="0">
+                <a:pos x="connsiteX10" y="connsiteY10"/>
+              </a:cxn>
+              <a:cxn ang="0">
+                <a:pos x="connsiteX11" y="connsiteY11"/>
+              </a:cxn>
+              <a:cxn ang="0">
+                <a:pos x="connsiteX12" y="connsiteY12"/>
+              </a:cxn>
+              <a:cxn ang="0">
+                <a:pos x="connsiteX13" y="connsiteY13"/>
+              </a:cxn>
+              <a:cxn ang="0">
+                <a:pos x="connsiteX14" y="connsiteY14"/>
+              </a:cxn>
+              <a:cxn ang="0">
+                <a:pos x="connsiteX15" y="connsiteY15"/>
+              </a:cxn>
+              <a:cxn ang="0">
+                <a:pos x="connsiteX16" y="connsiteY16"/>
+              </a:cxn>
+              <a:cxn ang="0">
+                <a:pos x="connsiteX17" y="connsiteY17"/>
+              </a:cxn>
+              <a:cxn ang="0">
+                <a:pos x="connsiteX18" y="connsiteY18"/>
+              </a:cxn>
+              <a:cxn ang="0">
+                <a:pos x="connsiteX19" y="connsiteY19"/>
+              </a:cxn>
+              <a:cxn ang="0">
+                <a:pos x="connsiteX20" y="connsiteY20"/>
+              </a:cxn>
+              <a:cxn ang="0">
+                <a:pos x="connsiteX21" y="connsiteY21"/>
+              </a:cxn>
+              <a:cxn ang="0">
+                <a:pos x="connsiteX22" y="connsiteY22"/>
+              </a:cxn>
+              <a:cxn ang="0">
+                <a:pos x="connsiteX23" y="connsiteY23"/>
+              </a:cxn>
+              <a:cxn ang="0">
+                <a:pos x="connsiteX24" y="connsiteY24"/>
+              </a:cxn>
+              <a:cxn ang="0">
+                <a:pos x="connsiteX25" y="connsiteY25"/>
+              </a:cxn>
+              <a:cxn ang="0">
+                <a:pos x="connsiteX26" y="connsiteY26"/>
+              </a:cxn>
+              <a:cxn ang="0">
+                <a:pos x="connsiteX27" y="connsiteY27"/>
+              </a:cxn>
+              <a:cxn ang="0">
+                <a:pos x="connsiteX28" y="connsiteY28"/>
+              </a:cxn>
+              <a:cxn ang="0">
+                <a:pos x="connsiteX29" y="connsiteY29"/>
+              </a:cxn>
+              <a:cxn ang="0">
+                <a:pos x="connsiteX30" y="connsiteY30"/>
+              </a:cxn>
+              <a:cxn ang="0">
+                <a:pos x="connsiteX31" y="connsiteY31"/>
+              </a:cxn>
+              <a:cxn ang="0">
+                <a:pos x="connsiteX32" y="connsiteY32"/>
+              </a:cxn>
+              <a:cxn ang="0">
+                <a:pos x="connsiteX33" y="connsiteY33"/>
+              </a:cxn>
+              <a:cxn ang="0">
+                <a:pos x="connsiteX34" y="connsiteY34"/>
+              </a:cxn>
+              <a:cxn ang="0">
+                <a:pos x="connsiteX35" y="connsiteY35"/>
+              </a:cxn>
+              <a:cxn ang="0">
+                <a:pos x="connsiteX36" y="connsiteY36"/>
+              </a:cxn>
+              <a:cxn ang="0">
+                <a:pos x="connsiteX37" y="connsiteY37"/>
+              </a:cxn>
+            </a:cxnLst>
+            <a:rect l="l" t="t" r="r" b="b"/>
+            <a:pathLst>
+              <a:path w="10972800" h="18288" fill="none" extrusionOk="0">
+                <a:moveTo>
+                  <a:pt x="0" y="0"/>
+                </a:moveTo>
+                <a:cubicBezTo>
+                  <a:pt x="165916" y="-1866"/>
+                  <a:pt x="188720" y="13756"/>
+                  <a:pt x="356616" y="0"/>
+                </a:cubicBezTo>
+                <a:cubicBezTo>
+                  <a:pt x="524512" y="-13756"/>
+                  <a:pt x="734781" y="8922"/>
+                  <a:pt x="1042416" y="0"/>
+                </a:cubicBezTo>
+                <a:cubicBezTo>
+                  <a:pt x="1350051" y="-8922"/>
+                  <a:pt x="1595982" y="-26315"/>
+                  <a:pt x="1947672" y="0"/>
+                </a:cubicBezTo>
+                <a:cubicBezTo>
+                  <a:pt x="2299362" y="26315"/>
+                  <a:pt x="2292691" y="-19526"/>
+                  <a:pt x="2633472" y="0"/>
+                </a:cubicBezTo>
+                <a:cubicBezTo>
+                  <a:pt x="2974253" y="19526"/>
+                  <a:pt x="2857309" y="10773"/>
+                  <a:pt x="2990088" y="0"/>
+                </a:cubicBezTo>
+                <a:cubicBezTo>
+                  <a:pt x="3122867" y="-10773"/>
+                  <a:pt x="3359343" y="7194"/>
+                  <a:pt x="3456432" y="0"/>
+                </a:cubicBezTo>
+                <a:cubicBezTo>
+                  <a:pt x="3553521" y="-7194"/>
+                  <a:pt x="4136258" y="5108"/>
+                  <a:pt x="4361688" y="0"/>
+                </a:cubicBezTo>
+                <a:cubicBezTo>
+                  <a:pt x="4587118" y="-5108"/>
+                  <a:pt x="4992424" y="-42958"/>
+                  <a:pt x="5266944" y="0"/>
+                </a:cubicBezTo>
+                <a:cubicBezTo>
+                  <a:pt x="5541464" y="42958"/>
+                  <a:pt x="5882966" y="-3430"/>
+                  <a:pt x="6172200" y="0"/>
+                </a:cubicBezTo>
+                <a:cubicBezTo>
+                  <a:pt x="6461434" y="3430"/>
+                  <a:pt x="6432127" y="6688"/>
+                  <a:pt x="6528816" y="0"/>
+                </a:cubicBezTo>
+                <a:cubicBezTo>
+                  <a:pt x="6625505" y="-6688"/>
+                  <a:pt x="6916805" y="-436"/>
+                  <a:pt x="7214616" y="0"/>
+                </a:cubicBezTo>
+                <a:cubicBezTo>
+                  <a:pt x="7512427" y="436"/>
+                  <a:pt x="7626159" y="-6909"/>
+                  <a:pt x="7790688" y="0"/>
+                </a:cubicBezTo>
+                <a:cubicBezTo>
+                  <a:pt x="7955217" y="6909"/>
+                  <a:pt x="8048891" y="15307"/>
+                  <a:pt x="8147304" y="0"/>
+                </a:cubicBezTo>
+                <a:cubicBezTo>
+                  <a:pt x="8245717" y="-15307"/>
+                  <a:pt x="8645618" y="-11734"/>
+                  <a:pt x="9052560" y="0"/>
+                </a:cubicBezTo>
+                <a:cubicBezTo>
+                  <a:pt x="9459502" y="11734"/>
+                  <a:pt x="9320584" y="8388"/>
+                  <a:pt x="9409176" y="0"/>
+                </a:cubicBezTo>
+                <a:cubicBezTo>
+                  <a:pt x="9497768" y="-8388"/>
+                  <a:pt x="9644192" y="8379"/>
+                  <a:pt x="9765792" y="0"/>
+                </a:cubicBezTo>
+                <a:cubicBezTo>
+                  <a:pt x="9887392" y="-8379"/>
+                  <a:pt x="10105220" y="-12663"/>
+                  <a:pt x="10341864" y="0"/>
+                </a:cubicBezTo>
+                <a:cubicBezTo>
+                  <a:pt x="10578508" y="12663"/>
+                  <a:pt x="10773103" y="-5786"/>
+                  <a:pt x="10972800" y="0"/>
+                </a:cubicBezTo>
+                <a:cubicBezTo>
+                  <a:pt x="10972146" y="8818"/>
+                  <a:pt x="10972240" y="13823"/>
+                  <a:pt x="10972800" y="18288"/>
+                </a:cubicBezTo>
+                <a:cubicBezTo>
+                  <a:pt x="10588778" y="31598"/>
+                  <a:pt x="10543381" y="-12698"/>
+                  <a:pt x="10177272" y="18288"/>
+                </a:cubicBezTo>
+                <a:cubicBezTo>
+                  <a:pt x="9811163" y="49274"/>
+                  <a:pt x="9996817" y="25662"/>
+                  <a:pt x="9820656" y="18288"/>
+                </a:cubicBezTo>
+                <a:cubicBezTo>
+                  <a:pt x="9644495" y="10914"/>
+                  <a:pt x="9607007" y="31631"/>
+                  <a:pt x="9464040" y="18288"/>
+                </a:cubicBezTo>
+                <a:cubicBezTo>
+                  <a:pt x="9321073" y="4945"/>
+                  <a:pt x="9114189" y="28940"/>
+                  <a:pt x="8778240" y="18288"/>
+                </a:cubicBezTo>
+                <a:cubicBezTo>
+                  <a:pt x="8442291" y="7636"/>
+                  <a:pt x="8594763" y="987"/>
+                  <a:pt x="8421624" y="18288"/>
+                </a:cubicBezTo>
+                <a:cubicBezTo>
+                  <a:pt x="8248485" y="35589"/>
+                  <a:pt x="7929515" y="37573"/>
+                  <a:pt x="7735824" y="18288"/>
+                </a:cubicBezTo>
+                <a:cubicBezTo>
+                  <a:pt x="7542133" y="-997"/>
+                  <a:pt x="7252504" y="33858"/>
+                  <a:pt x="6940296" y="18288"/>
+                </a:cubicBezTo>
+                <a:cubicBezTo>
+                  <a:pt x="6628088" y="2718"/>
+                  <a:pt x="6528503" y="48389"/>
+                  <a:pt x="6254496" y="18288"/>
+                </a:cubicBezTo>
+                <a:cubicBezTo>
+                  <a:pt x="5980489" y="-11813"/>
+                  <a:pt x="5695784" y="-3740"/>
+                  <a:pt x="5458968" y="18288"/>
+                </a:cubicBezTo>
+                <a:cubicBezTo>
+                  <a:pt x="5222152" y="40316"/>
+                  <a:pt x="5010751" y="19095"/>
+                  <a:pt x="4663440" y="18288"/>
+                </a:cubicBezTo>
+                <a:cubicBezTo>
+                  <a:pt x="4316129" y="17481"/>
+                  <a:pt x="4425552" y="1606"/>
+                  <a:pt x="4306824" y="18288"/>
+                </a:cubicBezTo>
+                <a:cubicBezTo>
+                  <a:pt x="4188096" y="34970"/>
+                  <a:pt x="3941535" y="7481"/>
+                  <a:pt x="3840480" y="18288"/>
+                </a:cubicBezTo>
+                <a:cubicBezTo>
+                  <a:pt x="3739425" y="29095"/>
+                  <a:pt x="3402388" y="17641"/>
+                  <a:pt x="3264408" y="18288"/>
+                </a:cubicBezTo>
+                <a:cubicBezTo>
+                  <a:pt x="3126428" y="18935"/>
+                  <a:pt x="2776779" y="9983"/>
+                  <a:pt x="2578608" y="18288"/>
+                </a:cubicBezTo>
+                <a:cubicBezTo>
+                  <a:pt x="2380437" y="26593"/>
+                  <a:pt x="1909468" y="25818"/>
+                  <a:pt x="1673352" y="18288"/>
+                </a:cubicBezTo>
+                <a:cubicBezTo>
+                  <a:pt x="1437236" y="10758"/>
+                  <a:pt x="1131180" y="49884"/>
+                  <a:pt x="877824" y="18288"/>
+                </a:cubicBezTo>
+                <a:cubicBezTo>
+                  <a:pt x="624468" y="-13308"/>
+                  <a:pt x="206753" y="2195"/>
+                  <a:pt x="0" y="18288"/>
+                </a:cubicBezTo>
+                <a:cubicBezTo>
+                  <a:pt x="313" y="10654"/>
+                  <a:pt x="-263" y="4056"/>
+                  <a:pt x="0" y="0"/>
+                </a:cubicBezTo>
+                <a:close/>
+              </a:path>
+              <a:path w="10972800" h="18288" stroke="0" extrusionOk="0">
+                <a:moveTo>
+                  <a:pt x="0" y="0"/>
+                </a:moveTo>
+                <a:cubicBezTo>
+                  <a:pt x="164017" y="-17675"/>
+                  <a:pt x="309425" y="9913"/>
+                  <a:pt x="466344" y="0"/>
+                </a:cubicBezTo>
+                <a:cubicBezTo>
+                  <a:pt x="623263" y="-9913"/>
+                  <a:pt x="659300" y="-14524"/>
+                  <a:pt x="822960" y="0"/>
+                </a:cubicBezTo>
+                <a:cubicBezTo>
+                  <a:pt x="986620" y="14524"/>
+                  <a:pt x="1105222" y="-16481"/>
+                  <a:pt x="1289304" y="0"/>
+                </a:cubicBezTo>
+                <a:cubicBezTo>
+                  <a:pt x="1473386" y="16481"/>
+                  <a:pt x="1693223" y="26161"/>
+                  <a:pt x="1975104" y="0"/>
+                </a:cubicBezTo>
+                <a:cubicBezTo>
+                  <a:pt x="2256985" y="-26161"/>
+                  <a:pt x="2435781" y="23061"/>
+                  <a:pt x="2770632" y="0"/>
+                </a:cubicBezTo>
+                <a:cubicBezTo>
+                  <a:pt x="3105483" y="-23061"/>
+                  <a:pt x="3247479" y="-44011"/>
+                  <a:pt x="3675888" y="0"/>
+                </a:cubicBezTo>
+                <a:cubicBezTo>
+                  <a:pt x="4104297" y="44011"/>
+                  <a:pt x="4280918" y="4017"/>
+                  <a:pt x="4581144" y="0"/>
+                </a:cubicBezTo>
+                <a:cubicBezTo>
+                  <a:pt x="4881370" y="-4017"/>
+                  <a:pt x="5021699" y="-11889"/>
+                  <a:pt x="5157216" y="0"/>
+                </a:cubicBezTo>
+                <a:cubicBezTo>
+                  <a:pt x="5292733" y="11889"/>
+                  <a:pt x="5603398" y="-17698"/>
+                  <a:pt x="5952744" y="0"/>
+                </a:cubicBezTo>
+                <a:cubicBezTo>
+                  <a:pt x="6302090" y="17698"/>
+                  <a:pt x="6353093" y="-11909"/>
+                  <a:pt x="6638544" y="0"/>
+                </a:cubicBezTo>
+                <a:cubicBezTo>
+                  <a:pt x="6923995" y="11909"/>
+                  <a:pt x="7053404" y="21630"/>
+                  <a:pt x="7214616" y="0"/>
+                </a:cubicBezTo>
+                <a:cubicBezTo>
+                  <a:pt x="7375828" y="-21630"/>
+                  <a:pt x="7837963" y="3886"/>
+                  <a:pt x="8010144" y="0"/>
+                </a:cubicBezTo>
+                <a:cubicBezTo>
+                  <a:pt x="8182325" y="-3886"/>
+                  <a:pt x="8224183" y="16009"/>
+                  <a:pt x="8366760" y="0"/>
+                </a:cubicBezTo>
+                <a:cubicBezTo>
+                  <a:pt x="8509337" y="-16009"/>
+                  <a:pt x="8687920" y="-5720"/>
+                  <a:pt x="8942832" y="0"/>
+                </a:cubicBezTo>
+                <a:cubicBezTo>
+                  <a:pt x="9197744" y="5720"/>
+                  <a:pt x="9368437" y="20479"/>
+                  <a:pt x="9628632" y="0"/>
+                </a:cubicBezTo>
+                <a:cubicBezTo>
+                  <a:pt x="9888827" y="-20479"/>
+                  <a:pt x="10560858" y="-20746"/>
+                  <a:pt x="10972800" y="0"/>
+                </a:cubicBezTo>
+                <a:cubicBezTo>
+                  <a:pt x="10972186" y="5722"/>
+                  <a:pt x="10972980" y="12495"/>
+                  <a:pt x="10972800" y="18288"/>
+                </a:cubicBezTo>
+                <a:cubicBezTo>
+                  <a:pt x="10786146" y="12536"/>
+                  <a:pt x="10623717" y="14033"/>
+                  <a:pt x="10506456" y="18288"/>
+                </a:cubicBezTo>
+                <a:cubicBezTo>
+                  <a:pt x="10389195" y="22543"/>
+                  <a:pt x="10296178" y="20107"/>
+                  <a:pt x="10149840" y="18288"/>
+                </a:cubicBezTo>
+                <a:cubicBezTo>
+                  <a:pt x="10003502" y="16469"/>
+                  <a:pt x="9767530" y="28891"/>
+                  <a:pt x="9464040" y="18288"/>
+                </a:cubicBezTo>
+                <a:cubicBezTo>
+                  <a:pt x="9160550" y="7685"/>
+                  <a:pt x="9229050" y="2659"/>
+                  <a:pt x="8997696" y="18288"/>
+                </a:cubicBezTo>
+                <a:cubicBezTo>
+                  <a:pt x="8766342" y="33917"/>
+                  <a:pt x="8340136" y="34864"/>
+                  <a:pt x="8092440" y="18288"/>
+                </a:cubicBezTo>
+                <a:cubicBezTo>
+                  <a:pt x="7844744" y="1712"/>
+                  <a:pt x="7863720" y="27405"/>
+                  <a:pt x="7735824" y="18288"/>
+                </a:cubicBezTo>
+                <a:cubicBezTo>
+                  <a:pt x="7607928" y="9171"/>
+                  <a:pt x="7323619" y="461"/>
+                  <a:pt x="7050024" y="18288"/>
+                </a:cubicBezTo>
+                <a:cubicBezTo>
+                  <a:pt x="6776429" y="36115"/>
+                  <a:pt x="6787899" y="28206"/>
+                  <a:pt x="6693408" y="18288"/>
+                </a:cubicBezTo>
+                <a:cubicBezTo>
+                  <a:pt x="6598917" y="8370"/>
+                  <a:pt x="6395231" y="19114"/>
+                  <a:pt x="6227064" y="18288"/>
+                </a:cubicBezTo>
+                <a:cubicBezTo>
+                  <a:pt x="6058897" y="17462"/>
+                  <a:pt x="5618582" y="1091"/>
+                  <a:pt x="5431536" y="18288"/>
+                </a:cubicBezTo>
+                <a:cubicBezTo>
+                  <a:pt x="5244490" y="35485"/>
+                  <a:pt x="4729797" y="-9650"/>
+                  <a:pt x="4526280" y="18288"/>
+                </a:cubicBezTo>
+                <a:cubicBezTo>
+                  <a:pt x="4322763" y="46226"/>
+                  <a:pt x="4216797" y="756"/>
+                  <a:pt x="4059936" y="18288"/>
+                </a:cubicBezTo>
+                <a:cubicBezTo>
+                  <a:pt x="3903075" y="35820"/>
+                  <a:pt x="3537912" y="42098"/>
+                  <a:pt x="3374136" y="18288"/>
+                </a:cubicBezTo>
+                <a:cubicBezTo>
+                  <a:pt x="3210360" y="-5522"/>
+                  <a:pt x="3126842" y="39135"/>
+                  <a:pt x="2907792" y="18288"/>
+                </a:cubicBezTo>
+                <a:cubicBezTo>
+                  <a:pt x="2688742" y="-2559"/>
+                  <a:pt x="2490436" y="34100"/>
+                  <a:pt x="2112264" y="18288"/>
+                </a:cubicBezTo>
+                <a:cubicBezTo>
+                  <a:pt x="1734092" y="2476"/>
+                  <a:pt x="1744622" y="-7274"/>
+                  <a:pt x="1536192" y="18288"/>
+                </a:cubicBezTo>
+                <a:cubicBezTo>
+                  <a:pt x="1327762" y="43850"/>
+                  <a:pt x="1189025" y="6435"/>
+                  <a:pt x="1069848" y="18288"/>
+                </a:cubicBezTo>
+                <a:cubicBezTo>
+                  <a:pt x="950671" y="30141"/>
+                  <a:pt x="858345" y="33684"/>
+                  <a:pt x="713232" y="18288"/>
+                </a:cubicBezTo>
+                <a:cubicBezTo>
+                  <a:pt x="568119" y="2892"/>
+                  <a:pt x="250292" y="5410"/>
+                  <a:pt x="0" y="18288"/>
+                </a:cubicBezTo>
+                <a:cubicBezTo>
+                  <a:pt x="465" y="13062"/>
+                  <a:pt x="-894" y="9029"/>
+                  <a:pt x="0" y="0"/>
+                </a:cubicBezTo>
+                <a:close/>
+              </a:path>
+            </a:pathLst>
+          </a:custGeom>
+          <a:solidFill>
+            <a:schemeClr val="accent2">
+              <a:alpha val="75000"/>
+            </a:schemeClr>
+          </a:solidFill>
+          <a:ln w="44450" cap="rnd">
+            <a:solidFill>
+              <a:schemeClr val="accent2">
+                <a:alpha val="75000"/>
+              </a:schemeClr>
+            </a:solidFill>
+            <a:round/>
+            <a:extLst>
+              <a:ext uri="{C807C97D-BFC1-408E-A445-0C87EB9F89A2}">
+                <ask:lineSketchStyleProps xmlns:ask="http://schemas.microsoft.com/office/drawing/2018/sketchyshapes" sd="2727557108">
+                  <a:prstGeom prst="rect">
+                    <a:avLst/>
+                  </a:prstGeom>
+                  <ask:type>
+                    <ask:lineSketchFreehand/>
+                  </ask:type>
+                </ask:lineSketchStyleProps>
+              </a:ext>
+            </a:extLst>
+          </a:ln>
+        </p:spPr>
+        <p:style>
+          <a:lnRef idx="2">
+            <a:schemeClr val="accent1">
+              <a:shade val="50000"/>
+            </a:schemeClr>
+          </a:lnRef>
+          <a:fillRef idx="1">
+            <a:schemeClr val="accent1"/>
+          </a:fillRef>
+          <a:effectRef idx="0">
+            <a:schemeClr val="accent1"/>
+          </a:effectRef>
+          <a:fontRef idx="minor">
+            <a:schemeClr val="lt1"/>
+          </a:fontRef>
+        </p:style>
+        <p:txBody>
+          <a:bodyPr rtlCol="0" anchor="ctr"/>
+          <a:lstStyle/>
+          <a:p>
+            <a:pPr algn="ctr"/>
+            <a:endParaRPr lang="en-US"/>
+          </a:p>
+        </p:txBody>
+      </p:sp>
+      <p:pic>
+        <p:nvPicPr>
+          <p:cNvPr id="5" name="Picture 4" descr="A picture containing text, book, different&#10;&#10;Description automatically generated">
+            <a:extLst>
+              <a:ext uri="{FF2B5EF4-FFF2-40B4-BE49-F238E27FC236}">
+                <a16:creationId xmlns:a16="http://schemas.microsoft.com/office/drawing/2014/main" id="{3194F52D-C794-8595-7DE6-20C713374E46}"/>
+              </a:ext>
+            </a:extLst>
+          </p:cNvPr>
+          <p:cNvPicPr>
+            <a:picLocks noChangeAspect="1"/>
+          </p:cNvPicPr>
+          <p:nvPr/>
+        </p:nvPicPr>
+        <p:blipFill rotWithShape="1">
+          <a:blip r:embed="rId2"/>
+          <a:srcRect r="9044" b="4"/>
+          <a:stretch/>
+        </p:blipFill>
+        <p:spPr>
+          <a:xfrm>
+            <a:off x="572492" y="2002056"/>
+            <a:ext cx="3943849" cy="4184060"/>
+          </a:xfrm>
+          <a:custGeom>
+            <a:avLst/>
+            <a:gdLst/>
+            <a:ahLst/>
+            <a:cxnLst/>
+            <a:rect l="l" t="t" r="r" b="b"/>
+            <a:pathLst>
+              <a:path w="3807743" h="6307845">
+                <a:moveTo>
+                  <a:pt x="723201" y="386"/>
+                </a:moveTo>
+                <a:cubicBezTo>
+                  <a:pt x="853884" y="-4204"/>
+                  <a:pt x="1013493" y="33912"/>
+                  <a:pt x="1176100" y="22622"/>
+                </a:cubicBezTo>
+                <a:cubicBezTo>
+                  <a:pt x="1230302" y="18859"/>
+                  <a:pt x="1281736" y="20622"/>
+                  <a:pt x="1331852" y="24473"/>
+                </a:cubicBezTo>
+                <a:lnTo>
+                  <a:pt x="1439547" y="34944"/>
+                </a:lnTo>
+                <a:lnTo>
+                  <a:pt x="1484197" y="36226"/>
+                </a:lnTo>
+                <a:cubicBezTo>
+                  <a:pt x="1535166" y="35421"/>
+                  <a:pt x="1586369" y="31625"/>
+                  <a:pt x="1636625" y="22622"/>
+                </a:cubicBezTo>
+                <a:cubicBezTo>
+                  <a:pt x="1686882" y="13619"/>
+                  <a:pt x="1729837" y="10653"/>
+                  <a:pt x="1768740" y="10885"/>
+                </a:cubicBezTo>
+                <a:lnTo>
+                  <a:pt x="1829538" y="15086"/>
+                </a:lnTo>
+                <a:lnTo>
+                  <a:pt x="1869968" y="7996"/>
+                </a:lnTo>
+                <a:cubicBezTo>
+                  <a:pt x="1953577" y="-31"/>
+                  <a:pt x="2036989" y="9808"/>
+                  <a:pt x="2112925" y="20118"/>
+                </a:cubicBezTo>
+                <a:lnTo>
+                  <a:pt x="2119331" y="20977"/>
+                </a:lnTo>
+                <a:lnTo>
+                  <a:pt x="2221855" y="13374"/>
+                </a:lnTo>
+                <a:cubicBezTo>
+                  <a:pt x="2261207" y="12845"/>
+                  <a:pt x="2298379" y="14359"/>
+                  <a:pt x="2333484" y="16393"/>
+                </a:cubicBezTo>
+                <a:lnTo>
+                  <a:pt x="2372613" y="18812"/>
+                </a:lnTo>
+                <a:lnTo>
+                  <a:pt x="2404945" y="9387"/>
+                </a:lnTo>
+                <a:cubicBezTo>
+                  <a:pt x="2452532" y="1754"/>
+                  <a:pt x="2506192" y="9333"/>
+                  <a:pt x="2561622" y="17814"/>
+                </a:cubicBezTo>
+                <a:lnTo>
+                  <a:pt x="2583950" y="20591"/>
+                </a:lnTo>
+                <a:lnTo>
+                  <a:pt x="2643527" y="20319"/>
+                </a:lnTo>
+                <a:cubicBezTo>
+                  <a:pt x="2669677" y="20426"/>
+                  <a:pt x="2697963" y="20717"/>
+                  <a:pt x="2727392" y="21103"/>
+                </a:cubicBezTo>
+                <a:lnTo>
+                  <a:pt x="2786908" y="21989"/>
+                </a:lnTo>
+                <a:lnTo>
+                  <a:pt x="2846459" y="13267"/>
+                </a:lnTo>
+                <a:cubicBezTo>
+                  <a:pt x="2896401" y="10176"/>
+                  <a:pt x="2960607" y="12733"/>
+                  <a:pt x="3036361" y="17072"/>
+                </a:cubicBezTo>
+                <a:lnTo>
+                  <a:pt x="3129100" y="22671"/>
+                </a:lnTo>
+                <a:lnTo>
+                  <a:pt x="3130653" y="22622"/>
+                </a:lnTo>
+                <a:cubicBezTo>
+                  <a:pt x="3178874" y="19804"/>
+                  <a:pt x="3260845" y="26231"/>
+                  <a:pt x="3352422" y="32691"/>
+                </a:cubicBezTo>
+                <a:lnTo>
+                  <a:pt x="3362608" y="33356"/>
+                </a:lnTo>
+                <a:lnTo>
+                  <a:pt x="3446036" y="35579"/>
+                </a:lnTo>
+                <a:cubicBezTo>
+                  <a:pt x="3550323" y="36566"/>
+                  <a:pt x="3662083" y="33535"/>
+                  <a:pt x="3778601" y="22622"/>
+                </a:cubicBezTo>
+                <a:cubicBezTo>
+                  <a:pt x="3793981" y="243672"/>
+                  <a:pt x="3764152" y="318695"/>
+                  <a:pt x="3778601" y="467157"/>
+                </a:cubicBezTo>
+                <a:cubicBezTo>
+                  <a:pt x="3790077" y="557563"/>
+                  <a:pt x="3783697" y="684218"/>
+                  <a:pt x="3777639" y="811856"/>
+                </a:cubicBezTo>
+                <a:lnTo>
+                  <a:pt x="3773760" y="922625"/>
+                </a:lnTo>
+                <a:lnTo>
+                  <a:pt x="3778601" y="974384"/>
+                </a:lnTo>
+                <a:cubicBezTo>
+                  <a:pt x="3785784" y="1003717"/>
+                  <a:pt x="3785160" y="1041120"/>
+                  <a:pt x="3781239" y="1085904"/>
+                </a:cubicBezTo>
+                <a:lnTo>
+                  <a:pt x="3776107" y="1132519"/>
+                </a:lnTo>
+                <a:lnTo>
+                  <a:pt x="3778601" y="1162456"/>
+                </a:lnTo>
+                <a:cubicBezTo>
+                  <a:pt x="3791360" y="1256797"/>
+                  <a:pt x="3774958" y="1367020"/>
+                  <a:pt x="3763568" y="1469787"/>
+                </a:cubicBezTo>
+                <a:lnTo>
+                  <a:pt x="3758806" y="1520515"/>
+                </a:lnTo>
+                <a:lnTo>
+                  <a:pt x="3760417" y="1549437"/>
+                </a:lnTo>
+                <a:cubicBezTo>
+                  <a:pt x="3764298" y="1588133"/>
+                  <a:pt x="3770171" y="1628243"/>
+                  <a:pt x="3778601" y="1669683"/>
+                </a:cubicBezTo>
+                <a:cubicBezTo>
+                  <a:pt x="3846039" y="2001203"/>
+                  <a:pt x="3774784" y="2142285"/>
+                  <a:pt x="3778601" y="2364982"/>
+                </a:cubicBezTo>
+                <a:lnTo>
+                  <a:pt x="3776565" y="2406088"/>
+                </a:lnTo>
+                <a:lnTo>
+                  <a:pt x="3778601" y="2427673"/>
+                </a:lnTo>
+                <a:cubicBezTo>
+                  <a:pt x="3821357" y="2695960"/>
+                  <a:pt x="3735684" y="2699438"/>
+                  <a:pt x="3778601" y="2809517"/>
+                </a:cubicBezTo>
+                <a:cubicBezTo>
+                  <a:pt x="3789330" y="2837037"/>
+                  <a:pt x="3791666" y="2872927"/>
+                  <a:pt x="3789892" y="2914654"/>
+                </a:cubicBezTo>
+                <a:lnTo>
+                  <a:pt x="3784971" y="2966248"/>
+                </a:lnTo>
+                <a:lnTo>
+                  <a:pt x="3796722" y="3024078"/>
+                </a:lnTo>
+                <a:cubicBezTo>
+                  <a:pt x="3809238" y="3115139"/>
+                  <a:pt x="3806232" y="3210898"/>
+                  <a:pt x="3799338" y="3302850"/>
+                </a:cubicBezTo>
+                <a:lnTo>
+                  <a:pt x="3787405" y="3438354"/>
+                </a:lnTo>
+                <a:lnTo>
+                  <a:pt x="3790719" y="3460532"/>
+                </a:lnTo>
+                <a:cubicBezTo>
+                  <a:pt x="3797323" y="3541872"/>
+                  <a:pt x="3789007" y="3624193"/>
+                  <a:pt x="3780361" y="3709762"/>
+                </a:cubicBezTo>
+                <a:lnTo>
+                  <a:pt x="3780169" y="3712283"/>
+                </a:lnTo>
+                <a:lnTo>
+                  <a:pt x="3781239" y="3768266"/>
+                </a:lnTo>
+                <a:cubicBezTo>
+                  <a:pt x="3780994" y="3815588"/>
+                  <a:pt x="3779902" y="3863939"/>
+                  <a:pt x="3778794" y="3912511"/>
+                </a:cubicBezTo>
+                <a:lnTo>
+                  <a:pt x="3776324" y="4054010"/>
+                </a:lnTo>
+                <a:lnTo>
+                  <a:pt x="3778601" y="4074733"/>
+                </a:lnTo>
+                <a:cubicBezTo>
+                  <a:pt x="3822365" y="4336760"/>
+                  <a:pt x="3765189" y="4482586"/>
+                  <a:pt x="3778601" y="4644650"/>
+                </a:cubicBezTo>
+                <a:cubicBezTo>
+                  <a:pt x="3781954" y="4685166"/>
+                  <a:pt x="3782850" y="4718916"/>
+                  <a:pt x="3782504" y="4749344"/>
+                </a:cubicBezTo>
+                <a:lnTo>
+                  <a:pt x="3780512" y="4796832"/>
+                </a:lnTo>
+                <a:lnTo>
+                  <a:pt x="3786260" y="4877451"/>
+                </a:lnTo>
+                <a:cubicBezTo>
+                  <a:pt x="3786165" y="4918212"/>
+                  <a:pt x="3784020" y="4964155"/>
+                  <a:pt x="3781623" y="5015963"/>
+                </a:cubicBezTo>
+                <a:lnTo>
+                  <a:pt x="3779076" y="5087925"/>
+                </a:lnTo>
+                <a:lnTo>
+                  <a:pt x="3779599" y="5155456"/>
+                </a:lnTo>
+                <a:lnTo>
+                  <a:pt x="3775907" y="5219073"/>
+                </a:lnTo>
+                <a:lnTo>
+                  <a:pt x="3778601" y="5402640"/>
+                </a:lnTo>
+                <a:cubicBezTo>
+                  <a:pt x="3780494" y="5441637"/>
+                  <a:pt x="3781680" y="5475146"/>
+                  <a:pt x="3782335" y="5504141"/>
+                </a:cubicBezTo>
+                <a:lnTo>
+                  <a:pt x="3782798" y="5566951"/>
+                </a:lnTo>
+                <a:lnTo>
+                  <a:pt x="3786885" y="5599303"/>
+                </a:lnTo>
+                <a:cubicBezTo>
+                  <a:pt x="3799534" y="5776838"/>
+                  <a:pt x="3769350" y="6111156"/>
+                  <a:pt x="3778601" y="6291711"/>
+                </a:cubicBezTo>
+                <a:cubicBezTo>
+                  <a:pt x="3687392" y="6306733"/>
+                  <a:pt x="3632350" y="6304889"/>
+                  <a:pt x="3574752" y="6300212"/>
+                </a:cubicBezTo>
+                <a:lnTo>
+                  <a:pt x="3545837" y="6297718"/>
+                </a:lnTo>
+                <a:lnTo>
+                  <a:pt x="3527963" y="6296834"/>
+                </a:lnTo>
+                <a:cubicBezTo>
+                  <a:pt x="3482151" y="6294419"/>
+                  <a:pt x="3430025" y="6291672"/>
+                  <a:pt x="3355561" y="6291711"/>
+                </a:cubicBezTo>
+                <a:cubicBezTo>
+                  <a:pt x="3304843" y="6293555"/>
+                  <a:pt x="3262749" y="6292377"/>
+                  <a:pt x="3225711" y="6290098"/>
+                </a:cubicBezTo>
+                <a:lnTo>
+                  <a:pt x="3218247" y="6289525"/>
+                </a:lnTo>
+                <a:lnTo>
+                  <a:pt x="3198550" y="6289212"/>
+                </a:lnTo>
+                <a:cubicBezTo>
+                  <a:pt x="3144315" y="6287803"/>
+                  <a:pt x="3088976" y="6286105"/>
+                  <a:pt x="3034921" y="6284968"/>
+                </a:cubicBezTo>
+                <a:lnTo>
+                  <a:pt x="2973802" y="6284626"/>
+                </a:lnTo>
+                <a:lnTo>
+                  <a:pt x="2932520" y="6291711"/>
+                </a:lnTo>
+                <a:cubicBezTo>
+                  <a:pt x="2893699" y="6300111"/>
+                  <a:pt x="2847670" y="6301992"/>
+                  <a:pt x="2797581" y="6300669"/>
+                </a:cubicBezTo>
+                <a:lnTo>
+                  <a:pt x="2672392" y="6292599"/>
+                </a:lnTo>
+                <a:lnTo>
+                  <a:pt x="2629726" y="6293120"/>
+                </a:lnTo>
+                <a:lnTo>
+                  <a:pt x="2540544" y="6284698"/>
+                </a:lnTo>
+                <a:lnTo>
+                  <a:pt x="2473475" y="6280786"/>
+                </a:lnTo>
+                <a:cubicBezTo>
+                  <a:pt x="2419724" y="6279900"/>
+                  <a:pt x="2368202" y="6282437"/>
+                  <a:pt x="2322057" y="6291711"/>
+                </a:cubicBezTo>
+                <a:cubicBezTo>
+                  <a:pt x="2275912" y="6300985"/>
+                  <a:pt x="2236301" y="6305003"/>
+                  <a:pt x="2199195" y="6305968"/>
+                </a:cubicBezTo>
+                <a:lnTo>
+                  <a:pt x="2094190" y="6302012"/>
+                </a:lnTo>
+                <a:lnTo>
+                  <a:pt x="2029724" y="6307766"/>
+                </a:lnTo>
+                <a:cubicBezTo>
+                  <a:pt x="1971866" y="6308389"/>
+                  <a:pt x="1916420" y="6305265"/>
+                  <a:pt x="1864312" y="6301339"/>
+                </a:cubicBezTo>
+                <a:lnTo>
+                  <a:pt x="1761307" y="6293375"/>
+                </a:lnTo>
+                <a:lnTo>
+                  <a:pt x="1745972" y="6293782"/>
+                </a:lnTo>
+                <a:cubicBezTo>
+                  <a:pt x="1699734" y="6294177"/>
+                  <a:pt x="1664143" y="6292827"/>
+                  <a:pt x="1633352" y="6291083"/>
+                </a:cubicBezTo>
+                <a:lnTo>
+                  <a:pt x="1621369" y="6290324"/>
+                </a:lnTo>
+                <a:lnTo>
+                  <a:pt x="1599140" y="6291711"/>
+                </a:lnTo>
+                <a:cubicBezTo>
+                  <a:pt x="1564093" y="6296354"/>
+                  <a:pt x="1527169" y="6296254"/>
+                  <a:pt x="1488567" y="6294097"/>
+                </a:cubicBezTo>
+                <a:lnTo>
+                  <a:pt x="1429716" y="6289243"/>
+                </a:lnTo>
+                <a:lnTo>
+                  <a:pt x="1401008" y="6291711"/>
+                </a:lnTo>
+                <a:cubicBezTo>
+                  <a:pt x="1314301" y="6301163"/>
+                  <a:pt x="1222976" y="6299856"/>
+                  <a:pt x="1127367" y="6296839"/>
+                </a:cubicBezTo>
+                <a:lnTo>
+                  <a:pt x="1062601" y="6295730"/>
+                </a:lnTo>
+                <a:lnTo>
+                  <a:pt x="964991" y="6305909"/>
+                </a:lnTo>
+                <a:cubicBezTo>
+                  <a:pt x="833250" y="6307778"/>
+                  <a:pt x="714190" y="6280255"/>
+                  <a:pt x="603122" y="6291711"/>
+                </a:cubicBezTo>
+                <a:cubicBezTo>
+                  <a:pt x="455032" y="6306986"/>
+                  <a:pt x="261206" y="6260346"/>
+                  <a:pt x="30143" y="6291711"/>
+                </a:cubicBezTo>
+                <a:cubicBezTo>
+                  <a:pt x="-1198" y="6167281"/>
+                  <a:pt x="7291" y="6044138"/>
+                  <a:pt x="19371" y="5934598"/>
+                </a:cubicBezTo>
+                <a:lnTo>
+                  <a:pt x="33559" y="5801663"/>
+                </a:lnTo>
+                <a:lnTo>
+                  <a:pt x="30143" y="5784485"/>
+                </a:lnTo>
+                <a:cubicBezTo>
+                  <a:pt x="7257" y="5691455"/>
+                  <a:pt x="7506" y="5585492"/>
+                  <a:pt x="13352" y="5476692"/>
+                </a:cubicBezTo>
+                <a:lnTo>
+                  <a:pt x="21882" y="5346809"/>
+                </a:lnTo>
+                <a:lnTo>
+                  <a:pt x="22064" y="5339439"/>
+                </a:lnTo>
+                <a:lnTo>
+                  <a:pt x="29601" y="5166357"/>
+                </a:lnTo>
+                <a:lnTo>
+                  <a:pt x="30143" y="5151877"/>
+                </a:lnTo>
+                <a:cubicBezTo>
+                  <a:pt x="30018" y="5125783"/>
+                  <a:pt x="30111" y="5102484"/>
+                  <a:pt x="30346" y="5081409"/>
+                </a:cubicBezTo>
+                <a:lnTo>
+                  <a:pt x="30433" y="5076663"/>
+                </a:lnTo>
+                <a:lnTo>
+                  <a:pt x="30143" y="4963804"/>
+                </a:lnTo>
+                <a:cubicBezTo>
+                  <a:pt x="27040" y="4910138"/>
+                  <a:pt x="27067" y="4856021"/>
+                  <a:pt x="28459" y="4800989"/>
+                </a:cubicBezTo>
+                <a:lnTo>
+                  <a:pt x="30399" y="4750796"/>
+                </a:lnTo>
+                <a:lnTo>
+                  <a:pt x="31514" y="4666872"/>
+                </a:lnTo>
+                <a:lnTo>
+                  <a:pt x="34697" y="4639551"/>
+                </a:lnTo>
+                <a:lnTo>
+                  <a:pt x="34963" y="4632686"/>
+                </a:lnTo>
+                <a:cubicBezTo>
+                  <a:pt x="37318" y="4575362"/>
+                  <a:pt x="39271" y="4516661"/>
+                  <a:pt x="39056" y="4456118"/>
+                </a:cubicBezTo>
+                <a:lnTo>
+                  <a:pt x="36996" y="4412759"/>
+                </a:lnTo>
+                <a:lnTo>
+                  <a:pt x="30143" y="4388188"/>
+                </a:lnTo>
+                <a:cubicBezTo>
+                  <a:pt x="7389" y="4328002"/>
+                  <a:pt x="11492" y="4256950"/>
+                  <a:pt x="19232" y="4188739"/>
+                </a:cubicBezTo>
+                <a:lnTo>
+                  <a:pt x="23985" y="4147809"/>
+                </a:lnTo>
+                <a:lnTo>
+                  <a:pt x="23690" y="4087290"/>
+                </a:lnTo>
+                <a:lnTo>
+                  <a:pt x="29097" y="3984687"/>
+                </a:lnTo>
+                <a:lnTo>
+                  <a:pt x="28035" y="3962690"/>
+                </a:lnTo>
+                <a:cubicBezTo>
+                  <a:pt x="28525" y="3945828"/>
+                  <a:pt x="30052" y="3926691"/>
+                  <a:pt x="32148" y="3905387"/>
+                </a:cubicBezTo>
+                <a:lnTo>
+                  <a:pt x="34754" y="3881032"/>
+                </a:lnTo>
+                <a:lnTo>
+                  <a:pt x="39206" y="3802233"/>
+                </a:lnTo>
+                <a:cubicBezTo>
+                  <a:pt x="39778" y="3763353"/>
+                  <a:pt x="37619" y="3728800"/>
+                  <a:pt x="30143" y="3698588"/>
+                </a:cubicBezTo>
+                <a:cubicBezTo>
+                  <a:pt x="7714" y="3607954"/>
+                  <a:pt x="33117" y="3482508"/>
+                  <a:pt x="36579" y="3365983"/>
+                </a:cubicBezTo>
+                <a:lnTo>
+                  <a:pt x="36510" y="3356621"/>
+                </a:lnTo>
+                <a:lnTo>
+                  <a:pt x="30143" y="3311044"/>
+                </a:lnTo>
+                <a:cubicBezTo>
+                  <a:pt x="14271" y="3224157"/>
+                  <a:pt x="11445" y="3149243"/>
+                  <a:pt x="14856" y="3082749"/>
+                </a:cubicBezTo>
+                <a:lnTo>
+                  <a:pt x="22229" y="3005366"/>
+                </a:lnTo>
+                <a:lnTo>
+                  <a:pt x="27244" y="2895198"/>
+                </a:lnTo>
+                <a:cubicBezTo>
+                  <a:pt x="29143" y="2848776"/>
+                  <a:pt x="30527" y="2799531"/>
+                  <a:pt x="30143" y="2746826"/>
+                </a:cubicBezTo>
+                <a:lnTo>
+                  <a:pt x="36784" y="2638240"/>
+                </a:lnTo>
+                <a:lnTo>
+                  <a:pt x="30143" y="2615745"/>
+                </a:lnTo>
+                <a:cubicBezTo>
+                  <a:pt x="-20952" y="2495890"/>
+                  <a:pt x="17898" y="2340273"/>
+                  <a:pt x="37923" y="2201958"/>
+                </a:cubicBezTo>
+                <a:lnTo>
+                  <a:pt x="42734" y="2158379"/>
+                </a:lnTo>
+                <a:lnTo>
+                  <a:pt x="30143" y="2114218"/>
+                </a:lnTo>
+                <a:cubicBezTo>
+                  <a:pt x="2269" y="2040950"/>
+                  <a:pt x="-2735" y="1972014"/>
+                  <a:pt x="1162" y="1906697"/>
+                </a:cubicBezTo>
+                <a:lnTo>
+                  <a:pt x="6289" y="1854885"/>
+                </a:lnTo>
+                <a:lnTo>
+                  <a:pt x="8053" y="1809168"/>
+                </a:lnTo>
+                <a:cubicBezTo>
+                  <a:pt x="9832" y="1790244"/>
+                  <a:pt x="12470" y="1771472"/>
+                  <a:pt x="15415" y="1752867"/>
+                </a:cubicBezTo>
+                <a:lnTo>
+                  <a:pt x="30925" y="1652561"/>
+                </a:lnTo>
+                <a:lnTo>
+                  <a:pt x="30143" y="1606992"/>
+                </a:lnTo>
+                <a:cubicBezTo>
+                  <a:pt x="28397" y="1588584"/>
+                  <a:pt x="27931" y="1568665"/>
+                  <a:pt x="28348" y="1547550"/>
+                </a:cubicBezTo>
+                <a:lnTo>
+                  <a:pt x="29206" y="1531212"/>
+                </a:lnTo>
+                <a:lnTo>
+                  <a:pt x="23637" y="1487282"/>
+                </a:lnTo>
+                <a:cubicBezTo>
+                  <a:pt x="16479" y="1367166"/>
+                  <a:pt x="59638" y="1246041"/>
+                  <a:pt x="30143" y="1156757"/>
+                </a:cubicBezTo>
+                <a:cubicBezTo>
+                  <a:pt x="21716" y="1131248"/>
+                  <a:pt x="18318" y="1090735"/>
+                  <a:pt x="17757" y="1041370"/>
+                </a:cubicBezTo>
+                <a:lnTo>
+                  <a:pt x="18463" y="985697"/>
+                </a:lnTo>
+                <a:lnTo>
+                  <a:pt x="16239" y="975915"/>
+                </a:lnTo>
+                <a:cubicBezTo>
+                  <a:pt x="13541" y="957312"/>
+                  <a:pt x="12597" y="940330"/>
+                  <a:pt x="12862" y="924477"/>
+                </a:cubicBezTo>
+                <a:lnTo>
+                  <a:pt x="23640" y="845857"/>
+                </a:lnTo>
+                <a:lnTo>
+                  <a:pt x="30907" y="688163"/>
+                </a:lnTo>
+                <a:lnTo>
+                  <a:pt x="31375" y="662715"/>
+                </a:lnTo>
+                <a:lnTo>
+                  <a:pt x="30143" y="655230"/>
+                </a:lnTo>
+                <a:cubicBezTo>
+                  <a:pt x="20345" y="615334"/>
+                  <a:pt x="17924" y="569960"/>
+                  <a:pt x="19185" y="520814"/>
+                </a:cubicBezTo>
+                <a:lnTo>
+                  <a:pt x="26662" y="415314"/>
+                </a:lnTo>
+                <a:lnTo>
+                  <a:pt x="25635" y="383217"/>
+                </a:lnTo>
+                <a:cubicBezTo>
+                  <a:pt x="25461" y="243905"/>
+                  <a:pt x="35455" y="113017"/>
+                  <a:pt x="30143" y="22622"/>
+                </a:cubicBezTo>
+                <a:cubicBezTo>
+                  <a:pt x="90096" y="13526"/>
+                  <a:pt x="146841" y="12585"/>
+                  <a:pt x="200495" y="15390"/>
+                </a:cubicBezTo>
+                <a:lnTo>
+                  <a:pt x="324102" y="27794"/>
+                </a:lnTo>
+                <a:lnTo>
+                  <a:pt x="329634" y="27979"/>
+                </a:lnTo>
+                <a:cubicBezTo>
+                  <a:pt x="398332" y="30204"/>
+                  <a:pt x="468106" y="31425"/>
+                  <a:pt x="551798" y="27886"/>
+                </a:cubicBezTo>
+                <a:lnTo>
+                  <a:pt x="592464" y="25476"/>
+                </a:lnTo>
+                <a:lnTo>
+                  <a:pt x="603122" y="22622"/>
+                </a:lnTo>
+                <a:cubicBezTo>
+                  <a:pt x="639294" y="8191"/>
+                  <a:pt x="679641" y="1916"/>
+                  <a:pt x="723201" y="386"/>
+                </a:cubicBezTo>
+                <a:close/>
+              </a:path>
+            </a:pathLst>
+          </a:custGeom>
+        </p:spPr>
+      </p:pic>
+      <p:sp>
+        <p:nvSpPr>
+          <p:cNvPr id="4" name="Content Placeholder 3">
+            <a:extLst>
+              <a:ext uri="{FF2B5EF4-FFF2-40B4-BE49-F238E27FC236}">
+                <a16:creationId xmlns:a16="http://schemas.microsoft.com/office/drawing/2014/main" id="{B18B692C-88B9-062F-647F-4A36B59D37CE}"/>
+              </a:ext>
+            </a:extLst>
+          </p:cNvPr>
+          <p:cNvSpPr>
+            <a:spLocks noGrp="1"/>
+          </p:cNvSpPr>
+          <p:nvPr>
+            <p:ph idx="1"/>
+          </p:nvPr>
+        </p:nvSpPr>
+        <p:spPr>
+          <a:xfrm>
+            <a:off x="4905955" y="2071316"/>
+            <a:ext cx="6713552" cy="4114800"/>
+          </a:xfrm>
+        </p:spPr>
+        <p:txBody>
+          <a:bodyPr anchor="t">
+            <a:normAutofit/>
+          </a:bodyPr>
+          <a:lstStyle/>
+          <a:p>
+            <a:r>
+              <a:rPr lang="en-US" sz="2200" dirty="0"/>
+              <a:t>Install </a:t>
+            </a:r>
+            <a:r>
+              <a:rPr lang="en-US" sz="2200" dirty="0" err="1"/>
+              <a:t>SakaiPlus</a:t>
+            </a:r>
+            <a:r>
+              <a:rPr lang="en-US" sz="2200" dirty="0"/>
+              <a:t> into your sandbox or test</a:t>
+            </a:r>
+          </a:p>
+          <a:p>
+            <a:r>
+              <a:rPr lang="en-US" sz="2200" dirty="0"/>
+              <a:t>Explore the technical aspects of Sakai and </a:t>
+            </a:r>
+            <a:r>
+              <a:rPr lang="en-US" sz="2200" dirty="0" err="1"/>
+              <a:t>SakaiPlus</a:t>
+            </a:r>
+            <a:endParaRPr lang="en-US" sz="2200" dirty="0"/>
+          </a:p>
+          <a:p>
+            <a:r>
+              <a:rPr lang="en-US" sz="2200" dirty="0"/>
+              <a:t>Explore Sakai's content authoring experience for faculty and instructional designers</a:t>
+            </a:r>
+          </a:p>
+          <a:p>
+            <a:r>
+              <a:rPr lang="en-US" sz="2200" dirty="0"/>
+              <a:t>Talk any pain points that </a:t>
+            </a:r>
+            <a:r>
+              <a:rPr lang="en-US" sz="2200" dirty="0" err="1"/>
+              <a:t>SakaiPlus</a:t>
+            </a:r>
+            <a:r>
+              <a:rPr lang="en-US" sz="2200" dirty="0"/>
+              <a:t> might address</a:t>
+            </a:r>
+          </a:p>
+          <a:p>
+            <a:pPr lvl="1"/>
+            <a:endParaRPr lang="en-US" sz="2200" dirty="0"/>
+          </a:p>
+        </p:txBody>
+      </p:sp>
+    </p:spTree>
+    <p:extLst>
+      <p:ext uri="{BB962C8B-B14F-4D97-AF65-F5344CB8AC3E}">
+        <p14:creationId xmlns:p14="http://schemas.microsoft.com/office/powerpoint/2010/main" val="1807368836"/>
+      </p:ext>
+    </p:extLst>
+  </p:cSld>
+  <p:clrMapOvr>
+    <a:masterClrMapping/>
+  </p:clrMapOvr>
+</p:sld>
+</file>
+
+<file path=ppt/slides/slide14.xml><?xml version="1.0" encoding="utf-8"?>
+<p:sld xmlns:a="http://schemas.openxmlformats.org/drawingml/2006/main" xmlns:r="http://schemas.openxmlformats.org/officeDocument/2006/relationships" xmlns:p="http://schemas.openxmlformats.org/presentationml/2006/main">
+  <p:cSld>
+    <p:spTree>
+      <p:nvGrpSpPr>
+        <p:cNvPr id="1" name=""/>
+        <p:cNvGrpSpPr/>
+        <p:nvPr/>
+      </p:nvGrpSpPr>
+      <p:grpSpPr>
+        <a:xfrm>
+          <a:off x="0" y="0"/>
+          <a:ext cx="0" cy="0"/>
+          <a:chOff x="0" y="0"/>
+          <a:chExt cx="0" cy="0"/>
+        </a:xfrm>
+      </p:grpSpPr>
+    </p:spTree>
+    <p:extLst>
+      <p:ext uri="{BB962C8B-B14F-4D97-AF65-F5344CB8AC3E}">
+        <p14:creationId xmlns:p14="http://schemas.microsoft.com/office/powerpoint/2010/main" val="3572868399"/>
+      </p:ext>
+    </p:extLst>
+  </p:cSld>
+  <p:clrMapOvr>
+    <a:masterClrMapping/>
+  </p:clrMapOvr>
+</p:sld>
+</file>
+
+<file path=ppt/slides/slide15.xml><?xml version="1.0" encoding="utf-8"?>
+<p:sld xmlns:a="http://schemas.openxmlformats.org/drawingml/2006/main" xmlns:r="http://schemas.openxmlformats.org/officeDocument/2006/relationships" xmlns:p="http://schemas.openxmlformats.org/presentationml/2006/main">
+  <p:cSld>
+    <p:spTree>
+      <p:nvGrpSpPr>
+        <p:cNvPr id="1" name=""/>
+        <p:cNvGrpSpPr/>
+        <p:nvPr/>
+      </p:nvGrpSpPr>
+      <p:grpSpPr>
+        <a:xfrm>
+          <a:off x="0" y="0"/>
+          <a:ext cx="0" cy="0"/>
+          <a:chOff x="0" y="0"/>
+          <a:chExt cx="0" cy="0"/>
+        </a:xfrm>
+      </p:grpSpPr>
+      <p:sp>
+        <p:nvSpPr>
+          <p:cNvPr id="2" name="Title 1">
+            <a:extLst>
+              <a:ext uri="{FF2B5EF4-FFF2-40B4-BE49-F238E27FC236}">
+                <a16:creationId xmlns:a16="http://schemas.microsoft.com/office/drawing/2014/main" id="{0BE0B7A9-7EC6-EC8A-37B4-5B3447CF7E36}"/>
+              </a:ext>
+            </a:extLst>
+          </p:cNvPr>
+          <p:cNvSpPr>
+            <a:spLocks noGrp="1"/>
+          </p:cNvSpPr>
+          <p:nvPr>
+            <p:ph type="title"/>
+          </p:nvPr>
+        </p:nvSpPr>
+        <p:spPr/>
+        <p:txBody>
+          <a:bodyPr/>
+          <a:lstStyle/>
+          <a:p>
+            <a:r>
+              <a:rPr lang="en-US" dirty="0"/>
+              <a:t>Additional Topics</a:t>
+            </a:r>
+          </a:p>
+        </p:txBody>
+      </p:sp>
+      <p:sp>
+        <p:nvSpPr>
+          <p:cNvPr id="3" name="Content Placeholder 2">
+            <a:extLst>
+              <a:ext uri="{FF2B5EF4-FFF2-40B4-BE49-F238E27FC236}">
+                <a16:creationId xmlns:a16="http://schemas.microsoft.com/office/drawing/2014/main" id="{7673D36D-DB7B-876C-6FC4-61572667BA66}"/>
+              </a:ext>
+            </a:extLst>
+          </p:cNvPr>
+          <p:cNvSpPr>
+            <a:spLocks noGrp="1"/>
+          </p:cNvSpPr>
+          <p:nvPr>
+            <p:ph idx="1"/>
+          </p:nvPr>
+        </p:nvSpPr>
+        <p:spPr/>
+        <p:txBody>
+          <a:bodyPr/>
+          <a:lstStyle/>
+          <a:p>
+            <a:r>
+              <a:rPr lang="en-US" dirty="0"/>
+              <a:t>Single tool use case</a:t>
+            </a:r>
+          </a:p>
+          <a:p>
+            <a:r>
+              <a:rPr lang="en-US" dirty="0"/>
+              <a:t>Single authoring / learning experience across </a:t>
+            </a:r>
+            <a:r>
+              <a:rPr lang="en-US"/>
+              <a:t>multiple LMSs</a:t>
+            </a:r>
+            <a:endParaRPr lang="en-US" dirty="0"/>
+          </a:p>
+        </p:txBody>
+      </p:sp>
+    </p:spTree>
+    <p:extLst>
+      <p:ext uri="{BB962C8B-B14F-4D97-AF65-F5344CB8AC3E}">
+        <p14:creationId xmlns:p14="http://schemas.microsoft.com/office/powerpoint/2010/main" val="4147049867"/>
       </p:ext>
     </p:extLst>
   </p:cSld>

--- a/2023/2023-09-Sakai-Plus.pptx
+++ b/2023/2023-09-Sakai-Plus.pptx
@@ -5,7 +5,7 @@
     <p:sldMasterId id="2147483648" r:id="rId1"/>
   </p:sldMasterIdLst>
   <p:notesMasterIdLst>
-    <p:notesMasterId r:id="rId17"/>
+    <p:notesMasterId r:id="rId16"/>
   </p:notesMasterIdLst>
   <p:sldIdLst>
     <p:sldId id="257" r:id="rId2"/>
@@ -21,8 +21,7 @@
     <p:sldId id="314" r:id="rId12"/>
     <p:sldId id="316" r:id="rId13"/>
     <p:sldId id="317" r:id="rId14"/>
-    <p:sldId id="318" r:id="rId15"/>
-    <p:sldId id="319" r:id="rId16"/>
+    <p:sldId id="319" r:id="rId15"/>
   </p:sldIdLst>
   <p:sldSz cx="12192000" cy="6858000"/>
   <p:notesSz cx="6858000" cy="9144000"/>
@@ -211,7 +210,7 @@
           <a:p>
             <a:fld id="{F8062002-FE47-E44A-9934-27B168626197}" type="datetimeFigureOut">
               <a:rPr lang="en-US" smtClean="0"/>
-              <a:t>9/29/23</a:t>
+              <a:t>10/10/23</a:t>
             </a:fld>
             <a:endParaRPr lang="en-US"/>
           </a:p>
@@ -709,7 +708,7 @@
           <a:p>
             <a:fld id="{34CC170A-699D-BB45-AC18-C528FA229D18}" type="datetimeFigureOut">
               <a:rPr lang="en-US" smtClean="0"/>
-              <a:t>9/29/23</a:t>
+              <a:t>10/10/23</a:t>
             </a:fld>
             <a:endParaRPr lang="en-US"/>
           </a:p>
@@ -907,7 +906,7 @@
           <a:p>
             <a:fld id="{34CC170A-699D-BB45-AC18-C528FA229D18}" type="datetimeFigureOut">
               <a:rPr lang="en-US" smtClean="0"/>
-              <a:t>9/29/23</a:t>
+              <a:t>10/10/23</a:t>
             </a:fld>
             <a:endParaRPr lang="en-US"/>
           </a:p>
@@ -1182,7 +1181,7 @@
           <a:p>
             <a:fld id="{34CC170A-699D-BB45-AC18-C528FA229D18}" type="datetimeFigureOut">
               <a:rPr lang="en-US" smtClean="0"/>
-              <a:t>9/29/23</a:t>
+              <a:t>10/10/23</a:t>
             </a:fld>
             <a:endParaRPr lang="en-US"/>
           </a:p>
@@ -1323,7 +1322,7 @@
           <a:p>
             <a:fld id="{34CC170A-699D-BB45-AC18-C528FA229D18}" type="datetimeFigureOut">
               <a:rPr lang="en-US" smtClean="0"/>
-              <a:t>9/29/23</a:t>
+              <a:t>10/10/23</a:t>
             </a:fld>
             <a:endParaRPr lang="en-US"/>
           </a:p>
@@ -1436,7 +1435,7 @@
           <a:p>
             <a:fld id="{34CC170A-699D-BB45-AC18-C528FA229D18}" type="datetimeFigureOut">
               <a:rPr lang="en-US" smtClean="0"/>
-              <a:t>9/29/23</a:t>
+              <a:t>10/10/23</a:t>
             </a:fld>
             <a:endParaRPr lang="en-US"/>
           </a:p>
@@ -1677,7 +1676,7 @@
           <a:p>
             <a:fld id="{34CC170A-699D-BB45-AC18-C528FA229D18}" type="datetimeFigureOut">
               <a:rPr lang="en-US" smtClean="0"/>
-              <a:t>9/29/23</a:t>
+              <a:t>10/10/23</a:t>
             </a:fld>
             <a:endParaRPr lang="en-US"/>
           </a:p>
@@ -5035,36 +5034,6 @@
 </file>
 
 <file path=ppt/slides/slide14.xml><?xml version="1.0" encoding="utf-8"?>
-<p:sld xmlns:a="http://schemas.openxmlformats.org/drawingml/2006/main" xmlns:r="http://schemas.openxmlformats.org/officeDocument/2006/relationships" xmlns:p="http://schemas.openxmlformats.org/presentationml/2006/main">
-  <p:cSld>
-    <p:spTree>
-      <p:nvGrpSpPr>
-        <p:cNvPr id="1" name=""/>
-        <p:cNvGrpSpPr/>
-        <p:nvPr/>
-      </p:nvGrpSpPr>
-      <p:grpSpPr>
-        <a:xfrm>
-          <a:off x="0" y="0"/>
-          <a:ext cx="0" cy="0"/>
-          <a:chOff x="0" y="0"/>
-          <a:chExt cx="0" cy="0"/>
-        </a:xfrm>
-      </p:grpSpPr>
-    </p:spTree>
-    <p:extLst>
-      <p:ext uri="{BB962C8B-B14F-4D97-AF65-F5344CB8AC3E}">
-        <p14:creationId xmlns:p14="http://schemas.microsoft.com/office/powerpoint/2010/main" val="3572868399"/>
-      </p:ext>
-    </p:extLst>
-  </p:cSld>
-  <p:clrMapOvr>
-    <a:masterClrMapping/>
-  </p:clrMapOvr>
-</p:sld>
-</file>
-
-<file path=ppt/slides/slide15.xml><?xml version="1.0" encoding="utf-8"?>
 <p:sld xmlns:a="http://schemas.openxmlformats.org/drawingml/2006/main" xmlns:r="http://schemas.openxmlformats.org/officeDocument/2006/relationships" xmlns:p="http://schemas.openxmlformats.org/presentationml/2006/main">
   <p:cSld>
     <p:spTree>
